--- a/slides/GithubActions-WorkflowsInYourRepo.pptx
+++ b/slides/GithubActions-WorkflowsInYourRepo.pptx
@@ -5,10 +5,10 @@
     <p:sldMasterId id="2147483671" r:id="rId1"/>
   </p:sldMasterIdLst>
   <p:notesMasterIdLst>
-    <p:notesMasterId r:id="rId31"/>
+    <p:notesMasterId r:id="rId32"/>
   </p:notesMasterIdLst>
   <p:handoutMasterIdLst>
-    <p:handoutMasterId r:id="rId32"/>
+    <p:handoutMasterId r:id="rId33"/>
   </p:handoutMasterIdLst>
   <p:sldIdLst>
     <p:sldId id="355" r:id="rId2"/>
@@ -37,9 +37,10 @@
     <p:sldId id="393" r:id="rId25"/>
     <p:sldId id="395" r:id="rId26"/>
     <p:sldId id="388" r:id="rId27"/>
-    <p:sldId id="398" r:id="rId28"/>
-    <p:sldId id="397" r:id="rId29"/>
-    <p:sldId id="302" r:id="rId30"/>
+    <p:sldId id="399" r:id="rId28"/>
+    <p:sldId id="398" r:id="rId29"/>
+    <p:sldId id="397" r:id="rId30"/>
+    <p:sldId id="302" r:id="rId31"/>
   </p:sldIdLst>
   <p:sldSz cx="12192000" cy="6858000"/>
   <p:notesSz cx="9388475" cy="7102475"/>
@@ -146,9 +147,17 @@
             <p14:sldId id="355"/>
             <p14:sldId id="330"/>
             <p14:sldId id="279"/>
+          </p14:sldIdLst>
+        </p14:section>
+        <p14:section name="What are GitHub Actions?" id="{3405AB5B-F760-403F-84AB-A1211923FDDA}">
+          <p14:sldIdLst>
             <p14:sldId id="336"/>
             <p14:sldId id="374"/>
             <p14:sldId id="376"/>
+          </p14:sldIdLst>
+        </p14:section>
+        <p14:section name="How GitHub Actions Work" id="{160D9FC8-9ECB-4B1E-9851-4A7084EAEA5B}">
+          <p14:sldIdLst>
             <p14:sldId id="375"/>
             <p14:sldId id="381"/>
             <p14:sldId id="384"/>
@@ -157,6 +166,10 @@
             <p14:sldId id="377"/>
             <p14:sldId id="382"/>
             <p14:sldId id="383"/>
+          </p14:sldIdLst>
+        </p14:section>
+        <p14:section name="Demo" id="{40E51110-AD25-47FB-99BA-D620AB7435DD}">
+          <p14:sldIdLst>
             <p14:sldId id="365"/>
             <p14:sldId id="378"/>
             <p14:sldId id="385"/>
@@ -169,6 +182,11 @@
             <p14:sldId id="393"/>
             <p14:sldId id="395"/>
             <p14:sldId id="388"/>
+          </p14:sldIdLst>
+        </p14:section>
+        <p14:section name="Going Beyond a Simple Workflow" id="{B5C6AEB3-840B-4DAF-AC5B-410E875F223C}">
+          <p14:sldIdLst>
+            <p14:sldId id="399"/>
             <p14:sldId id="398"/>
             <p14:sldId id="397"/>
           </p14:sldIdLst>
@@ -272,7 +290,7 @@
           <a:p>
             <a:fld id="{7CCA049B-3A46-4BDA-A8F5-2925B00FE570}" type="datetimeFigureOut">
               <a:rPr lang="en-US" smtClean="0"/>
-              <a:t>6/18/2020</a:t>
+              <a:t>9/23/2020</a:t>
             </a:fld>
             <a:endParaRPr lang="en-US" dirty="0"/>
           </a:p>
@@ -437,7 +455,7 @@
           <a:p>
             <a:fld id="{44C46CEC-428A-4DD0-A7C7-21AF8DE33E93}" type="datetimeFigureOut">
               <a:rPr lang="en-US" smtClean="0"/>
-              <a:t>6/18/2020</a:t>
+              <a:t>9/22/2020</a:t>
             </a:fld>
             <a:endParaRPr lang="en-US" dirty="0"/>
           </a:p>
@@ -2290,7 +2308,7 @@
     </p:spTree>
     <p:extLst>
       <p:ext uri="{BB962C8B-B14F-4D97-AF65-F5344CB8AC3E}">
-        <p14:creationId xmlns:p14="http://schemas.microsoft.com/office/powerpoint/2010/main" val="296585847"/>
+        <p14:creationId xmlns:p14="http://schemas.microsoft.com/office/powerpoint/2010/main" val="3512090256"/>
       </p:ext>
     </p:extLst>
   </p:cSld>
@@ -2374,7 +2392,7 @@
     </p:spTree>
     <p:extLst>
       <p:ext uri="{BB962C8B-B14F-4D97-AF65-F5344CB8AC3E}">
-        <p14:creationId xmlns:p14="http://schemas.microsoft.com/office/powerpoint/2010/main" val="2114651026"/>
+        <p14:creationId xmlns:p14="http://schemas.microsoft.com/office/powerpoint/2010/main" val="296585847"/>
       </p:ext>
     </p:extLst>
   </p:cSld>
@@ -2439,7 +2457,7 @@
             <a:spLocks noGrp="1"/>
           </p:cNvSpPr>
           <p:nvPr>
-            <p:ph type="sldNum" sz="quarter" idx="10"/>
+            <p:ph type="sldNum" sz="quarter" idx="5"/>
           </p:nvPr>
         </p:nvSpPr>
         <p:spPr/>
@@ -2450,6 +2468,90 @@
             <a:fld id="{4CBCEA92-F142-4D57-B507-37BDAF44710C}" type="slidenum">
               <a:rPr lang="en-US" smtClean="0"/>
               <a:t>29</a:t>
+            </a:fld>
+            <a:endParaRPr lang="en-US" dirty="0"/>
+          </a:p>
+        </p:txBody>
+      </p:sp>
+    </p:spTree>
+    <p:extLst>
+      <p:ext uri="{BB962C8B-B14F-4D97-AF65-F5344CB8AC3E}">
+        <p14:creationId xmlns:p14="http://schemas.microsoft.com/office/powerpoint/2010/main" val="2114651026"/>
+      </p:ext>
+    </p:extLst>
+  </p:cSld>
+  <p:clrMapOvr>
+    <a:masterClrMapping/>
+  </p:clrMapOvr>
+</p:notes>
+</file>
+
+<file path=ppt/notesSlides/notesSlide29.xml><?xml version="1.0" encoding="utf-8"?>
+<p:notes xmlns:a="http://schemas.openxmlformats.org/drawingml/2006/main" xmlns:r="http://schemas.openxmlformats.org/officeDocument/2006/relationships" xmlns:p="http://schemas.openxmlformats.org/presentationml/2006/main">
+  <p:cSld>
+    <p:spTree>
+      <p:nvGrpSpPr>
+        <p:cNvPr id="1" name=""/>
+        <p:cNvGrpSpPr/>
+        <p:nvPr/>
+      </p:nvGrpSpPr>
+      <p:grpSpPr>
+        <a:xfrm>
+          <a:off x="0" y="0"/>
+          <a:ext cx="0" cy="0"/>
+          <a:chOff x="0" y="0"/>
+          <a:chExt cx="0" cy="0"/>
+        </a:xfrm>
+      </p:grpSpPr>
+      <p:sp>
+        <p:nvSpPr>
+          <p:cNvPr id="2" name="Slide Image Placeholder 1"/>
+          <p:cNvSpPr>
+            <a:spLocks noGrp="1" noRot="1" noChangeAspect="1"/>
+          </p:cNvSpPr>
+          <p:nvPr>
+            <p:ph type="sldImg"/>
+          </p:nvPr>
+        </p:nvSpPr>
+        <p:spPr/>
+      </p:sp>
+      <p:sp>
+        <p:nvSpPr>
+          <p:cNvPr id="3" name="Notes Placeholder 2"/>
+          <p:cNvSpPr>
+            <a:spLocks noGrp="1"/>
+          </p:cNvSpPr>
+          <p:nvPr>
+            <p:ph type="body" idx="1"/>
+          </p:nvPr>
+        </p:nvSpPr>
+        <p:spPr/>
+        <p:txBody>
+          <a:bodyPr/>
+          <a:lstStyle/>
+          <a:p>
+            <a:endParaRPr lang="en-US"/>
+          </a:p>
+        </p:txBody>
+      </p:sp>
+      <p:sp>
+        <p:nvSpPr>
+          <p:cNvPr id="4" name="Slide Number Placeholder 3"/>
+          <p:cNvSpPr>
+            <a:spLocks noGrp="1"/>
+          </p:cNvSpPr>
+          <p:nvPr>
+            <p:ph type="sldNum" sz="quarter" idx="10"/>
+          </p:nvPr>
+        </p:nvSpPr>
+        <p:spPr/>
+        <p:txBody>
+          <a:bodyPr/>
+          <a:lstStyle/>
+          <a:p>
+            <a:fld id="{4CBCEA92-F142-4D57-B507-37BDAF44710C}" type="slidenum">
+              <a:rPr lang="en-US" smtClean="0"/>
+              <a:t>30</a:t>
             </a:fld>
             <a:endParaRPr lang="en-US"/>
           </a:p>
@@ -7146,7 +7248,7 @@
               <a:rPr lang="en-US" dirty="0">
                 <a:hlinkClick r:id="rId3"/>
               </a:rPr>
-              <a:t>https://www.brianjablonsky.com/</a:t>
+              <a:t>@brian_jablonsky</a:t>
             </a:r>
             <a:endParaRPr lang="en-US" dirty="0"/>
           </a:p>
@@ -7155,18 +7257,21 @@
               <a:rPr lang="en-US" dirty="0">
                 <a:hlinkClick r:id="rId4"/>
               </a:rPr>
-              <a:t>@brian_jablonsky</a:t>
+              <a:t>https://github.com/bjablonsky</a:t>
             </a:r>
             <a:endParaRPr lang="en-US" dirty="0"/>
           </a:p>
           <a:p>
             <a:r>
-              <a:rPr lang="en-US" dirty="0">
-                <a:hlinkClick r:id="rId5"/>
-              </a:rPr>
-              <a:t>https://github.com/bjablonsky</a:t>
-            </a:r>
-            <a:endParaRPr lang="en-US" dirty="0"/>
+              <a:rPr lang="en-US" dirty="0"/>
+              <a:t>Microsoft MVP</a:t>
+            </a:r>
+          </a:p>
+          <a:p>
+            <a:r>
+              <a:rPr lang="en-US" dirty="0"/>
+              <a:t>Co-organizer of NYC .NET Dev User Group</a:t>
+            </a:r>
           </a:p>
           <a:p>
             <a:r>
@@ -7178,12 +7283,6 @@
             <a:r>
               <a:rPr lang="en-US" dirty="0"/>
               <a:t>10+ years of professional experience</a:t>
-            </a:r>
-          </a:p>
-          <a:p>
-            <a:r>
-              <a:rPr lang="en-US" dirty="0"/>
-              <a:t>Co-organizer of NYC .NET Dev User Group</a:t>
             </a:r>
           </a:p>
           <a:p>
@@ -7206,7 +7305,7 @@
           <p:nvPr/>
         </p:nvPicPr>
         <p:blipFill>
-          <a:blip r:embed="rId6">
+          <a:blip r:embed="rId5">
             <a:extLst>
               <a:ext uri="{28A0092B-C50C-407E-A947-70E740481C1C}">
                 <a14:useLocalDpi xmlns:a14="http://schemas.microsoft.com/office/drawing/2010/main" val="0"/>
@@ -8868,30 +8967,12 @@
               <a:t>Create complex workflows that utilize existing workflows and jobs</a:t>
             </a:r>
           </a:p>
-          <a:p>
-            <a:r>
-              <a:rPr lang="en-US" dirty="0"/>
-              <a:t>Create workflow templates</a:t>
-            </a:r>
-          </a:p>
-          <a:p>
-            <a:r>
-              <a:rPr lang="en-US" dirty="0"/>
-              <a:t>Cache dependencies and store artifacts to make your workflow run more efficient</a:t>
-            </a:r>
-          </a:p>
-          <a:p>
-            <a:r>
-              <a:rPr lang="en-US" dirty="0"/>
-              <a:t>Host your own runners</a:t>
-            </a:r>
-          </a:p>
         </p:txBody>
       </p:sp>
     </p:spTree>
     <p:extLst>
       <p:ext uri="{BB962C8B-B14F-4D97-AF65-F5344CB8AC3E}">
-        <p14:creationId xmlns:p14="http://schemas.microsoft.com/office/powerpoint/2010/main" val="4202675947"/>
+        <p14:creationId xmlns:p14="http://schemas.microsoft.com/office/powerpoint/2010/main" val="1077899468"/>
       </p:ext>
     </p:extLst>
   </p:cSld>
@@ -8973,28 +9054,19 @@
           <a:p>
             <a:r>
               <a:rPr lang="en-US" dirty="0"/>
-              <a:t>Build your own Actions</a:t>
-            </a:r>
-          </a:p>
-          <a:p>
-            <a:pPr lvl="1"/>
-            <a:r>
-              <a:rPr lang="en-US" dirty="0"/>
-              <a:t>Currently supports Docker and JavaScript</a:t>
-            </a:r>
-          </a:p>
-          <a:p>
-            <a:pPr lvl="1"/>
-            <a:r>
-              <a:rPr lang="en-US" dirty="0"/>
-              <a:t>Docker containers run on Linux</a:t>
-            </a:r>
-          </a:p>
-          <a:p>
-            <a:pPr lvl="1"/>
-            <a:r>
-              <a:rPr lang="en-US" dirty="0"/>
-              <a:t>JavaScript can run on Linux, macOS, and Windows</a:t>
+              <a:t>Create workflow templates</a:t>
+            </a:r>
+          </a:p>
+          <a:p>
+            <a:r>
+              <a:rPr lang="en-US" dirty="0"/>
+              <a:t>Cache dependencies and store artifacts to make your workflow run more efficient</a:t>
+            </a:r>
+          </a:p>
+          <a:p>
+            <a:r>
+              <a:rPr lang="en-US" dirty="0"/>
+              <a:t>Host your own runners</a:t>
             </a:r>
           </a:p>
         </p:txBody>
@@ -9002,7 +9074,7 @@
     </p:spTree>
     <p:extLst>
       <p:ext uri="{BB962C8B-B14F-4D97-AF65-F5344CB8AC3E}">
-        <p14:creationId xmlns:p14="http://schemas.microsoft.com/office/powerpoint/2010/main" val="3676870194"/>
+        <p14:creationId xmlns:p14="http://schemas.microsoft.com/office/powerpoint/2010/main" val="4202675947"/>
       </p:ext>
     </p:extLst>
   </p:cSld>
@@ -9053,25 +9125,18 @@
           <a:lstStyle/>
           <a:p>
             <a:r>
-              <a:rPr lang="en-US" b="1" dirty="0">
-                <a:latin typeface="Segoe UI" panose="020B0502040204020203" pitchFamily="34" charset="0"/>
-                <a:cs typeface="Segoe UI" panose="020B0502040204020203" pitchFamily="34" charset="0"/>
-              </a:rPr>
-              <a:t>Additional Information</a:t>
-            </a:r>
-            <a:endParaRPr lang="en-US" sz="3600" b="1" dirty="0">
-              <a:latin typeface="Segoe UI" panose="020B0502040204020203" pitchFamily="34" charset="0"/>
-              <a:cs typeface="Segoe UI" panose="020B0502040204020203" pitchFamily="34" charset="0"/>
-            </a:endParaRPr>
-          </a:p>
-        </p:txBody>
-      </p:sp>
-      <p:sp>
-        <p:nvSpPr>
-          <p:cNvPr id="4" name="Content Placeholder 3">
+              <a:rPr lang="en-US" dirty="0"/>
+              <a:t>Going Beyond a Simple Workflow</a:t>
+            </a:r>
+          </a:p>
+        </p:txBody>
+      </p:sp>
+      <p:sp>
+        <p:nvSpPr>
+          <p:cNvPr id="5" name="Content Placeholder 4">
             <a:extLst>
               <a:ext uri="{FF2B5EF4-FFF2-40B4-BE49-F238E27FC236}">
-                <a16:creationId xmlns:a16="http://schemas.microsoft.com/office/drawing/2014/main" id="{9F4DC314-B5D9-4C85-B395-6DC1A5752C7B}"/>
+                <a16:creationId xmlns:a16="http://schemas.microsoft.com/office/drawing/2014/main" id="{7C15718D-FA5D-48BA-86BA-E516A20F6B7F}"/>
               </a:ext>
             </a:extLst>
           </p:cNvPr>
@@ -9091,41 +9156,36 @@
           <a:p>
             <a:r>
               <a:rPr lang="en-US" dirty="0"/>
-              <a:t>GitHub Actions Docs</a:t>
+              <a:t>Build your own Actions</a:t>
             </a:r>
           </a:p>
           <a:p>
             <a:pPr lvl="1"/>
             <a:r>
-              <a:rPr lang="en-US" dirty="0">
-                <a:hlinkClick r:id="rId3"/>
-              </a:rPr>
-              <a:t>https://help.github.com/en/actions</a:t>
-            </a:r>
-            <a:endParaRPr lang="en-US" dirty="0"/>
-          </a:p>
-          <a:p>
-            <a:r>
-              <a:rPr lang="en-US" dirty="0"/>
-              <a:t>GitHub Actions Learning Lab</a:t>
+              <a:rPr lang="en-US" dirty="0"/>
+              <a:t>Currently supports Docker and JavaScript</a:t>
             </a:r>
           </a:p>
           <a:p>
             <a:pPr lvl="1"/>
             <a:r>
-              <a:rPr lang="en-US" dirty="0">
-                <a:hlinkClick r:id="rId4"/>
-              </a:rPr>
-              <a:t>https://lab.github.com/githubtraining/github-actions:-hello-world</a:t>
-            </a:r>
-            <a:endParaRPr lang="en-US" dirty="0"/>
+              <a:rPr lang="en-US" dirty="0"/>
+              <a:t>Docker containers run on Linux</a:t>
+            </a:r>
+          </a:p>
+          <a:p>
+            <a:pPr lvl="1"/>
+            <a:r>
+              <a:rPr lang="en-US" dirty="0"/>
+              <a:t>JavaScript can run on Linux, macOS, and Windows</a:t>
+            </a:r>
           </a:p>
         </p:txBody>
       </p:sp>
     </p:spTree>
     <p:extLst>
       <p:ext uri="{BB962C8B-B14F-4D97-AF65-F5344CB8AC3E}">
-        <p14:creationId xmlns:p14="http://schemas.microsoft.com/office/powerpoint/2010/main" val="1680656523"/>
+        <p14:creationId xmlns:p14="http://schemas.microsoft.com/office/powerpoint/2010/main" val="3676870194"/>
       </p:ext>
     </p:extLst>
   </p:cSld>
@@ -9228,7 +9288,7 @@
           <a:p>
             <a:r>
               <a:rPr lang="en-US" dirty="0"/>
-              <a:t>Demo: Creating a CI/CD Pipeline</a:t>
+              <a:t>Demo: Creating a simple CI/CD Pipeline</a:t>
             </a:r>
           </a:p>
           <a:p>
@@ -9243,6 +9303,145 @@
     <p:extLst>
       <p:ext uri="{BB962C8B-B14F-4D97-AF65-F5344CB8AC3E}">
         <p14:creationId xmlns:p14="http://schemas.microsoft.com/office/powerpoint/2010/main" val="952017432"/>
+      </p:ext>
+    </p:extLst>
+  </p:cSld>
+  <p:clrMapOvr>
+    <a:masterClrMapping/>
+  </p:clrMapOvr>
+</p:sld>
+</file>
+
+<file path=ppt/slides/slide30.xml><?xml version="1.0" encoding="utf-8"?>
+<p:sld xmlns:a="http://schemas.openxmlformats.org/drawingml/2006/main" xmlns:r="http://schemas.openxmlformats.org/officeDocument/2006/relationships" xmlns:p="http://schemas.openxmlformats.org/presentationml/2006/main">
+  <p:cSld>
+    <p:spTree>
+      <p:nvGrpSpPr>
+        <p:cNvPr id="1" name=""/>
+        <p:cNvGrpSpPr/>
+        <p:nvPr/>
+      </p:nvGrpSpPr>
+      <p:grpSpPr>
+        <a:xfrm>
+          <a:off x="0" y="0"/>
+          <a:ext cx="0" cy="0"/>
+          <a:chOff x="0" y="0"/>
+          <a:chExt cx="0" cy="0"/>
+        </a:xfrm>
+      </p:grpSpPr>
+      <p:sp>
+        <p:nvSpPr>
+          <p:cNvPr id="2" name="Title 1">
+            <a:extLst>
+              <a:ext uri="{FF2B5EF4-FFF2-40B4-BE49-F238E27FC236}">
+                <a16:creationId xmlns:a16="http://schemas.microsoft.com/office/drawing/2014/main" id="{9D6E2161-D92B-42C0-AF4F-2B434AC18F21}"/>
+              </a:ext>
+            </a:extLst>
+          </p:cNvPr>
+          <p:cNvSpPr>
+            <a:spLocks noGrp="1"/>
+          </p:cNvSpPr>
+          <p:nvPr>
+            <p:ph type="title"/>
+          </p:nvPr>
+        </p:nvSpPr>
+        <p:spPr/>
+        <p:txBody>
+          <a:bodyPr>
+            <a:normAutofit/>
+          </a:bodyPr>
+          <a:lstStyle/>
+          <a:p>
+            <a:r>
+              <a:rPr lang="en-US" b="1" dirty="0">
+                <a:latin typeface="Segoe UI" panose="020B0502040204020203" pitchFamily="34" charset="0"/>
+                <a:cs typeface="Segoe UI" panose="020B0502040204020203" pitchFamily="34" charset="0"/>
+              </a:rPr>
+              <a:t>Additional Information</a:t>
+            </a:r>
+            <a:endParaRPr lang="en-US" sz="3600" b="1" dirty="0">
+              <a:latin typeface="Segoe UI" panose="020B0502040204020203" pitchFamily="34" charset="0"/>
+              <a:cs typeface="Segoe UI" panose="020B0502040204020203" pitchFamily="34" charset="0"/>
+            </a:endParaRPr>
+          </a:p>
+        </p:txBody>
+      </p:sp>
+      <p:sp>
+        <p:nvSpPr>
+          <p:cNvPr id="4" name="Content Placeholder 3">
+            <a:extLst>
+              <a:ext uri="{FF2B5EF4-FFF2-40B4-BE49-F238E27FC236}">
+                <a16:creationId xmlns:a16="http://schemas.microsoft.com/office/drawing/2014/main" id="{9F4DC314-B5D9-4C85-B395-6DC1A5752C7B}"/>
+              </a:ext>
+            </a:extLst>
+          </p:cNvPr>
+          <p:cNvSpPr>
+            <a:spLocks noGrp="1"/>
+          </p:cNvSpPr>
+          <p:nvPr>
+            <p:ph sz="quarter" idx="10"/>
+          </p:nvPr>
+        </p:nvSpPr>
+        <p:spPr/>
+        <p:txBody>
+          <a:bodyPr>
+            <a:normAutofit/>
+          </a:bodyPr>
+          <a:lstStyle/>
+          <a:p>
+            <a:r>
+              <a:rPr lang="en-US" dirty="0"/>
+              <a:t>Link to slides and source code</a:t>
+            </a:r>
+          </a:p>
+          <a:p>
+            <a:pPr lvl="1"/>
+            <a:r>
+              <a:rPr lang="en-US" dirty="0">
+                <a:hlinkClick r:id="rId3"/>
+              </a:rPr>
+              <a:t>https://github.com/bjablonsky/GithubActions</a:t>
+            </a:r>
+            <a:endParaRPr lang="en-US" dirty="0"/>
+          </a:p>
+          <a:p>
+            <a:r>
+              <a:rPr lang="en-US" dirty="0"/>
+              <a:t>GitHub Actions Docs</a:t>
+            </a:r>
+          </a:p>
+          <a:p>
+            <a:pPr lvl="1"/>
+            <a:r>
+              <a:rPr lang="en-US" dirty="0">
+                <a:hlinkClick r:id="rId4"/>
+              </a:rPr>
+              <a:t>https://help.github.com/en/actions</a:t>
+            </a:r>
+            <a:endParaRPr lang="en-US" dirty="0"/>
+          </a:p>
+          <a:p>
+            <a:r>
+              <a:rPr lang="en-US" dirty="0"/>
+              <a:t>GitHub Actions Learning Lab</a:t>
+            </a:r>
+          </a:p>
+          <a:p>
+            <a:pPr lvl="1"/>
+            <a:r>
+              <a:rPr lang="en-US" dirty="0">
+                <a:hlinkClick r:id="rId5"/>
+              </a:rPr>
+              <a:t>https://lab.github.com/githubtraining/github-actions:-hello-world</a:t>
+            </a:r>
+            <a:endParaRPr lang="en-US" dirty="0"/>
+          </a:p>
+        </p:txBody>
+      </p:sp>
+    </p:spTree>
+    <p:extLst>
+      <p:ext uri="{BB962C8B-B14F-4D97-AF65-F5344CB8AC3E}">
+        <p14:creationId xmlns:p14="http://schemas.microsoft.com/office/powerpoint/2010/main" val="1680656523"/>
       </p:ext>
     </p:extLst>
   </p:cSld>
@@ -9323,7 +9522,7 @@
           <a:p>
             <a:r>
               <a:rPr lang="en-US" dirty="0"/>
-              <a:t>GitHub Actions is an easy way to automate your software workflows straight from GitHub and your repo</a:t>
+              <a:t>An easy way to automate your software workflows straight from GitHub and your repo</a:t>
             </a:r>
           </a:p>
           <a:p>
@@ -9430,13 +9629,13 @@
         <p:spPr/>
         <p:txBody>
           <a:bodyPr>
-            <a:normAutofit fontScale="92500" lnSpcReduction="10000"/>
+            <a:normAutofit lnSpcReduction="10000"/>
           </a:bodyPr>
           <a:lstStyle/>
           <a:p>
             <a:r>
               <a:rPr lang="en-US" dirty="0"/>
-              <a:t>While GitHub Actions is great for CI/CD, it can do a lot more</a:t>
+              <a:t>While great for CI/CD, it can do a lot more</a:t>
             </a:r>
           </a:p>
           <a:p>
@@ -9449,70 +9648,63 @@
             <a:pPr lvl="1"/>
             <a:r>
               <a:rPr lang="en-US" dirty="0"/>
-              <a:t>Push</a:t>
+              <a:t>Push/Pull request/PR comments</a:t>
             </a:r>
           </a:p>
           <a:p>
             <a:pPr lvl="1"/>
             <a:r>
               <a:rPr lang="en-US" dirty="0"/>
-              <a:t>Pull request and pull request comments/review</a:t>
+              <a:t>Create/delete a branch or tag</a:t>
             </a:r>
           </a:p>
           <a:p>
             <a:pPr lvl="1"/>
             <a:r>
               <a:rPr lang="en-US" dirty="0"/>
-              <a:t>Create/delete a branch or tag</a:t>
+              <a:t>Deployment</a:t>
             </a:r>
           </a:p>
           <a:p>
             <a:pPr lvl="1"/>
             <a:r>
               <a:rPr lang="en-US" dirty="0"/>
-              <a:t>Deployment</a:t>
+              <a:t>Fork</a:t>
             </a:r>
           </a:p>
           <a:p>
             <a:pPr lvl="1"/>
             <a:r>
               <a:rPr lang="en-US" dirty="0"/>
-              <a:t>Fork</a:t>
+              <a:t>Gollum (creates or updates a Wiki page)</a:t>
             </a:r>
           </a:p>
           <a:p>
             <a:pPr lvl="1"/>
             <a:r>
               <a:rPr lang="en-US" dirty="0"/>
-              <a:t>Gollum (creates or updates a Wiki page)</a:t>
+              <a:t>Issues</a:t>
             </a:r>
           </a:p>
           <a:p>
             <a:pPr lvl="1"/>
             <a:r>
               <a:rPr lang="en-US" dirty="0"/>
-              <a:t>Issues</a:t>
+              <a:t>Releases/Milestones</a:t>
             </a:r>
           </a:p>
           <a:p>
             <a:pPr lvl="1"/>
             <a:r>
               <a:rPr lang="en-US" dirty="0"/>
-              <a:t>Releases/Milestones</a:t>
+              <a:t>Schedules</a:t>
             </a:r>
           </a:p>
           <a:p>
             <a:pPr lvl="1"/>
             <a:r>
               <a:rPr lang="en-US" dirty="0"/>
-              <a:t>Schedules</a:t>
-            </a:r>
-          </a:p>
-          <a:p>
-            <a:pPr lvl="1"/>
-            <a:r>
-              <a:rPr lang="en-US" dirty="0"/>
-              <a:t>And more</a:t>
+              <a:t>And more!</a:t>
             </a:r>
           </a:p>
           <a:p>

--- a/slides/GithubActions-WorkflowsInYourRepo.pptx
+++ b/slides/GithubActions-WorkflowsInYourRepo.pptx
@@ -5,10 +5,10 @@
     <p:sldMasterId id="2147483671" r:id="rId1"/>
   </p:sldMasterIdLst>
   <p:notesMasterIdLst>
-    <p:notesMasterId r:id="rId32"/>
+    <p:notesMasterId r:id="rId35"/>
   </p:notesMasterIdLst>
   <p:handoutMasterIdLst>
-    <p:handoutMasterId r:id="rId33"/>
+    <p:handoutMasterId r:id="rId36"/>
   </p:handoutMasterIdLst>
   <p:sldIdLst>
     <p:sldId id="355" r:id="rId2"/>
@@ -18,29 +18,32 @@
     <p:sldId id="374" r:id="rId6"/>
     <p:sldId id="376" r:id="rId7"/>
     <p:sldId id="375" r:id="rId8"/>
-    <p:sldId id="381" r:id="rId9"/>
+    <p:sldId id="379" r:id="rId9"/>
     <p:sldId id="384" r:id="rId10"/>
-    <p:sldId id="379" r:id="rId11"/>
-    <p:sldId id="380" r:id="rId12"/>
-    <p:sldId id="377" r:id="rId13"/>
-    <p:sldId id="382" r:id="rId14"/>
-    <p:sldId id="383" r:id="rId15"/>
-    <p:sldId id="365" r:id="rId16"/>
-    <p:sldId id="378" r:id="rId17"/>
-    <p:sldId id="385" r:id="rId18"/>
-    <p:sldId id="386" r:id="rId19"/>
-    <p:sldId id="389" r:id="rId20"/>
-    <p:sldId id="390" r:id="rId21"/>
-    <p:sldId id="391" r:id="rId22"/>
-    <p:sldId id="387" r:id="rId23"/>
-    <p:sldId id="392" r:id="rId24"/>
-    <p:sldId id="393" r:id="rId25"/>
-    <p:sldId id="395" r:id="rId26"/>
-    <p:sldId id="388" r:id="rId27"/>
-    <p:sldId id="399" r:id="rId28"/>
-    <p:sldId id="398" r:id="rId29"/>
-    <p:sldId id="397" r:id="rId30"/>
-    <p:sldId id="302" r:id="rId31"/>
+    <p:sldId id="381" r:id="rId11"/>
+    <p:sldId id="402" r:id="rId12"/>
+    <p:sldId id="380" r:id="rId13"/>
+    <p:sldId id="377" r:id="rId14"/>
+    <p:sldId id="403" r:id="rId15"/>
+    <p:sldId id="382" r:id="rId16"/>
+    <p:sldId id="383" r:id="rId17"/>
+    <p:sldId id="365" r:id="rId18"/>
+    <p:sldId id="378" r:id="rId19"/>
+    <p:sldId id="385" r:id="rId20"/>
+    <p:sldId id="400" r:id="rId21"/>
+    <p:sldId id="401" r:id="rId22"/>
+    <p:sldId id="386" r:id="rId23"/>
+    <p:sldId id="390" r:id="rId24"/>
+    <p:sldId id="391" r:id="rId25"/>
+    <p:sldId id="387" r:id="rId26"/>
+    <p:sldId id="392" r:id="rId27"/>
+    <p:sldId id="393" r:id="rId28"/>
+    <p:sldId id="395" r:id="rId29"/>
+    <p:sldId id="388" r:id="rId30"/>
+    <p:sldId id="399" r:id="rId31"/>
+    <p:sldId id="398" r:id="rId32"/>
+    <p:sldId id="397" r:id="rId33"/>
+    <p:sldId id="302" r:id="rId34"/>
   </p:sldIdLst>
   <p:sldSz cx="12192000" cy="6858000"/>
   <p:notesSz cx="9388475" cy="7102475"/>
@@ -159,11 +162,17 @@
         <p14:section name="How GitHub Actions Work" id="{160D9FC8-9ECB-4B1E-9851-4A7084EAEA5B}">
           <p14:sldIdLst>
             <p14:sldId id="375"/>
+            <p14:sldId id="379"/>
+            <p14:sldId id="384"/>
             <p14:sldId id="381"/>
-            <p14:sldId id="384"/>
-            <p14:sldId id="379"/>
+            <p14:sldId id="402"/>
             <p14:sldId id="380"/>
+          </p14:sldIdLst>
+        </p14:section>
+        <p14:section name="Pricing and Limits" id="{E8E27E15-EA85-4741-AE92-A8EFE3FD54D3}">
+          <p14:sldIdLst>
             <p14:sldId id="377"/>
+            <p14:sldId id="403"/>
             <p14:sldId id="382"/>
             <p14:sldId id="383"/>
           </p14:sldIdLst>
@@ -173,8 +182,9 @@
             <p14:sldId id="365"/>
             <p14:sldId id="378"/>
             <p14:sldId id="385"/>
+            <p14:sldId id="400"/>
+            <p14:sldId id="401"/>
             <p14:sldId id="386"/>
-            <p14:sldId id="389"/>
             <p14:sldId id="390"/>
             <p14:sldId id="391"/>
             <p14:sldId id="387"/>
@@ -455,7 +465,7 @@
           <a:p>
             <a:fld id="{44C46CEC-428A-4DD0-A7C7-21AF8DE33E93}" type="datetimeFigureOut">
               <a:rPr lang="en-US" smtClean="0"/>
-              <a:t>9/22/2020</a:t>
+              <a:t>9/23/2020</a:t>
             </a:fld>
             <a:endParaRPr lang="en-US" dirty="0"/>
           </a:p>
@@ -880,7 +890,7 @@
     </p:spTree>
     <p:extLst>
       <p:ext uri="{BB962C8B-B14F-4D97-AF65-F5344CB8AC3E}">
-        <p14:creationId xmlns:p14="http://schemas.microsoft.com/office/powerpoint/2010/main" val="3776194387"/>
+        <p14:creationId xmlns:p14="http://schemas.microsoft.com/office/powerpoint/2010/main" val="803142552"/>
       </p:ext>
     </p:extLst>
   </p:cSld>
@@ -964,7 +974,7 @@
     </p:spTree>
     <p:extLst>
       <p:ext uri="{BB962C8B-B14F-4D97-AF65-F5344CB8AC3E}">
-        <p14:creationId xmlns:p14="http://schemas.microsoft.com/office/powerpoint/2010/main" val="1714963108"/>
+        <p14:creationId xmlns:p14="http://schemas.microsoft.com/office/powerpoint/2010/main" val="1379564696"/>
       </p:ext>
     </p:extLst>
   </p:cSld>
@@ -1048,7 +1058,7 @@
     </p:spTree>
     <p:extLst>
       <p:ext uri="{BB962C8B-B14F-4D97-AF65-F5344CB8AC3E}">
-        <p14:creationId xmlns:p14="http://schemas.microsoft.com/office/powerpoint/2010/main" val="3908519985"/>
+        <p14:creationId xmlns:p14="http://schemas.microsoft.com/office/powerpoint/2010/main" val="1714963108"/>
       </p:ext>
     </p:extLst>
   </p:cSld>
@@ -1132,7 +1142,7 @@
     </p:spTree>
     <p:extLst>
       <p:ext uri="{BB962C8B-B14F-4D97-AF65-F5344CB8AC3E}">
-        <p14:creationId xmlns:p14="http://schemas.microsoft.com/office/powerpoint/2010/main" val="2038854541"/>
+        <p14:creationId xmlns:p14="http://schemas.microsoft.com/office/powerpoint/2010/main" val="3908519985"/>
       </p:ext>
     </p:extLst>
   </p:cSld>
@@ -1216,7 +1226,7 @@
     </p:spTree>
     <p:extLst>
       <p:ext uri="{BB962C8B-B14F-4D97-AF65-F5344CB8AC3E}">
-        <p14:creationId xmlns:p14="http://schemas.microsoft.com/office/powerpoint/2010/main" val="3398642597"/>
+        <p14:creationId xmlns:p14="http://schemas.microsoft.com/office/powerpoint/2010/main" val="4288052963"/>
       </p:ext>
     </p:extLst>
   </p:cSld>
@@ -1291,7 +1301,7 @@
           <a:p>
             <a:fld id="{4CBCEA92-F142-4D57-B507-37BDAF44710C}" type="slidenum">
               <a:rPr lang="en-US" smtClean="0"/>
-              <a:t>16</a:t>
+              <a:t>15</a:t>
             </a:fld>
             <a:endParaRPr lang="en-US" dirty="0"/>
           </a:p>
@@ -1300,7 +1310,7 @@
     </p:spTree>
     <p:extLst>
       <p:ext uri="{BB962C8B-B14F-4D97-AF65-F5344CB8AC3E}">
-        <p14:creationId xmlns:p14="http://schemas.microsoft.com/office/powerpoint/2010/main" val="2956106907"/>
+        <p14:creationId xmlns:p14="http://schemas.microsoft.com/office/powerpoint/2010/main" val="2038854541"/>
       </p:ext>
     </p:extLst>
   </p:cSld>
@@ -1375,7 +1385,7 @@
           <a:p>
             <a:fld id="{4CBCEA92-F142-4D57-B507-37BDAF44710C}" type="slidenum">
               <a:rPr lang="en-US" smtClean="0"/>
-              <a:t>17</a:t>
+              <a:t>16</a:t>
             </a:fld>
             <a:endParaRPr lang="en-US" dirty="0"/>
           </a:p>
@@ -1384,7 +1394,7 @@
     </p:spTree>
     <p:extLst>
       <p:ext uri="{BB962C8B-B14F-4D97-AF65-F5344CB8AC3E}">
-        <p14:creationId xmlns:p14="http://schemas.microsoft.com/office/powerpoint/2010/main" val="1526148933"/>
+        <p14:creationId xmlns:p14="http://schemas.microsoft.com/office/powerpoint/2010/main" val="3398642597"/>
       </p:ext>
     </p:extLst>
   </p:cSld>
@@ -1468,7 +1478,7 @@
     </p:spTree>
     <p:extLst>
       <p:ext uri="{BB962C8B-B14F-4D97-AF65-F5344CB8AC3E}">
-        <p14:creationId xmlns:p14="http://schemas.microsoft.com/office/powerpoint/2010/main" val="83785327"/>
+        <p14:creationId xmlns:p14="http://schemas.microsoft.com/office/powerpoint/2010/main" val="2956106907"/>
       </p:ext>
     </p:extLst>
   </p:cSld>
@@ -1552,7 +1562,7 @@
     </p:spTree>
     <p:extLst>
       <p:ext uri="{BB962C8B-B14F-4D97-AF65-F5344CB8AC3E}">
-        <p14:creationId xmlns:p14="http://schemas.microsoft.com/office/powerpoint/2010/main" val="2849669783"/>
+        <p14:creationId xmlns:p14="http://schemas.microsoft.com/office/powerpoint/2010/main" val="1526148933"/>
       </p:ext>
     </p:extLst>
   </p:cSld>
@@ -1636,7 +1646,7 @@
     </p:spTree>
     <p:extLst>
       <p:ext uri="{BB962C8B-B14F-4D97-AF65-F5344CB8AC3E}">
-        <p14:creationId xmlns:p14="http://schemas.microsoft.com/office/powerpoint/2010/main" val="3115211064"/>
+        <p14:creationId xmlns:p14="http://schemas.microsoft.com/office/powerpoint/2010/main" val="3218000238"/>
       </p:ext>
     </p:extLst>
   </p:cSld>
@@ -1804,7 +1814,7 @@
     </p:spTree>
     <p:extLst>
       <p:ext uri="{BB962C8B-B14F-4D97-AF65-F5344CB8AC3E}">
-        <p14:creationId xmlns:p14="http://schemas.microsoft.com/office/powerpoint/2010/main" val="3742784029"/>
+        <p14:creationId xmlns:p14="http://schemas.microsoft.com/office/powerpoint/2010/main" val="931661425"/>
       </p:ext>
     </p:extLst>
   </p:cSld>
@@ -1888,7 +1898,7 @@
     </p:spTree>
     <p:extLst>
       <p:ext uri="{BB962C8B-B14F-4D97-AF65-F5344CB8AC3E}">
-        <p14:creationId xmlns:p14="http://schemas.microsoft.com/office/powerpoint/2010/main" val="4143603103"/>
+        <p14:creationId xmlns:p14="http://schemas.microsoft.com/office/powerpoint/2010/main" val="83785327"/>
       </p:ext>
     </p:extLst>
   </p:cSld>
@@ -1972,7 +1982,7 @@
     </p:spTree>
     <p:extLst>
       <p:ext uri="{BB962C8B-B14F-4D97-AF65-F5344CB8AC3E}">
-        <p14:creationId xmlns:p14="http://schemas.microsoft.com/office/powerpoint/2010/main" val="3136831156"/>
+        <p14:creationId xmlns:p14="http://schemas.microsoft.com/office/powerpoint/2010/main" val="3115211064"/>
       </p:ext>
     </p:extLst>
   </p:cSld>
@@ -2056,7 +2066,7 @@
     </p:spTree>
     <p:extLst>
       <p:ext uri="{BB962C8B-B14F-4D97-AF65-F5344CB8AC3E}">
-        <p14:creationId xmlns:p14="http://schemas.microsoft.com/office/powerpoint/2010/main" val="2644855232"/>
+        <p14:creationId xmlns:p14="http://schemas.microsoft.com/office/powerpoint/2010/main" val="3742784029"/>
       </p:ext>
     </p:extLst>
   </p:cSld>
@@ -2140,7 +2150,7 @@
     </p:spTree>
     <p:extLst>
       <p:ext uri="{BB962C8B-B14F-4D97-AF65-F5344CB8AC3E}">
-        <p14:creationId xmlns:p14="http://schemas.microsoft.com/office/powerpoint/2010/main" val="3726459389"/>
+        <p14:creationId xmlns:p14="http://schemas.microsoft.com/office/powerpoint/2010/main" val="4143603103"/>
       </p:ext>
     </p:extLst>
   </p:cSld>
@@ -2224,7 +2234,7 @@
     </p:spTree>
     <p:extLst>
       <p:ext uri="{BB962C8B-B14F-4D97-AF65-F5344CB8AC3E}">
-        <p14:creationId xmlns:p14="http://schemas.microsoft.com/office/powerpoint/2010/main" val="3964249732"/>
+        <p14:creationId xmlns:p14="http://schemas.microsoft.com/office/powerpoint/2010/main" val="3136831156"/>
       </p:ext>
     </p:extLst>
   </p:cSld>
@@ -2308,7 +2318,7 @@
     </p:spTree>
     <p:extLst>
       <p:ext uri="{BB962C8B-B14F-4D97-AF65-F5344CB8AC3E}">
-        <p14:creationId xmlns:p14="http://schemas.microsoft.com/office/powerpoint/2010/main" val="3512090256"/>
+        <p14:creationId xmlns:p14="http://schemas.microsoft.com/office/powerpoint/2010/main" val="2644855232"/>
       </p:ext>
     </p:extLst>
   </p:cSld>
@@ -2392,7 +2402,7 @@
     </p:spTree>
     <p:extLst>
       <p:ext uri="{BB962C8B-B14F-4D97-AF65-F5344CB8AC3E}">
-        <p14:creationId xmlns:p14="http://schemas.microsoft.com/office/powerpoint/2010/main" val="296585847"/>
+        <p14:creationId xmlns:p14="http://schemas.microsoft.com/office/powerpoint/2010/main" val="3726459389"/>
       </p:ext>
     </p:extLst>
   </p:cSld>
@@ -2476,7 +2486,7 @@
     </p:spTree>
     <p:extLst>
       <p:ext uri="{BB962C8B-B14F-4D97-AF65-F5344CB8AC3E}">
-        <p14:creationId xmlns:p14="http://schemas.microsoft.com/office/powerpoint/2010/main" val="2114651026"/>
+        <p14:creationId xmlns:p14="http://schemas.microsoft.com/office/powerpoint/2010/main" val="3964249732"/>
       </p:ext>
     </p:extLst>
   </p:cSld>
@@ -2541,7 +2551,7 @@
             <a:spLocks noGrp="1"/>
           </p:cNvSpPr>
           <p:nvPr>
-            <p:ph type="sldNum" sz="quarter" idx="10"/>
+            <p:ph type="sldNum" sz="quarter" idx="5"/>
           </p:nvPr>
         </p:nvSpPr>
         <p:spPr/>
@@ -2553,14 +2563,14 @@
               <a:rPr lang="en-US" smtClean="0"/>
               <a:t>30</a:t>
             </a:fld>
-            <a:endParaRPr lang="en-US"/>
+            <a:endParaRPr lang="en-US" dirty="0"/>
           </a:p>
         </p:txBody>
       </p:sp>
     </p:spTree>
     <p:extLst>
       <p:ext uri="{BB962C8B-B14F-4D97-AF65-F5344CB8AC3E}">
-        <p14:creationId xmlns:p14="http://schemas.microsoft.com/office/powerpoint/2010/main" val="856332428"/>
+        <p14:creationId xmlns:p14="http://schemas.microsoft.com/office/powerpoint/2010/main" val="3512090256"/>
       </p:ext>
     </p:extLst>
   </p:cSld>
@@ -2645,6 +2655,258 @@
     <p:extLst>
       <p:ext uri="{BB962C8B-B14F-4D97-AF65-F5344CB8AC3E}">
         <p14:creationId xmlns:p14="http://schemas.microsoft.com/office/powerpoint/2010/main" val="2442645641"/>
+      </p:ext>
+    </p:extLst>
+  </p:cSld>
+  <p:clrMapOvr>
+    <a:masterClrMapping/>
+  </p:clrMapOvr>
+</p:notes>
+</file>
+
+<file path=ppt/notesSlides/notesSlide30.xml><?xml version="1.0" encoding="utf-8"?>
+<p:notes xmlns:a="http://schemas.openxmlformats.org/drawingml/2006/main" xmlns:r="http://schemas.openxmlformats.org/officeDocument/2006/relationships" xmlns:p="http://schemas.openxmlformats.org/presentationml/2006/main">
+  <p:cSld>
+    <p:spTree>
+      <p:nvGrpSpPr>
+        <p:cNvPr id="1" name=""/>
+        <p:cNvGrpSpPr/>
+        <p:nvPr/>
+      </p:nvGrpSpPr>
+      <p:grpSpPr>
+        <a:xfrm>
+          <a:off x="0" y="0"/>
+          <a:ext cx="0" cy="0"/>
+          <a:chOff x="0" y="0"/>
+          <a:chExt cx="0" cy="0"/>
+        </a:xfrm>
+      </p:grpSpPr>
+      <p:sp>
+        <p:nvSpPr>
+          <p:cNvPr id="2" name="Slide Image Placeholder 1"/>
+          <p:cNvSpPr>
+            <a:spLocks noGrp="1" noRot="1" noChangeAspect="1"/>
+          </p:cNvSpPr>
+          <p:nvPr>
+            <p:ph type="sldImg"/>
+          </p:nvPr>
+        </p:nvSpPr>
+        <p:spPr/>
+      </p:sp>
+      <p:sp>
+        <p:nvSpPr>
+          <p:cNvPr id="3" name="Notes Placeholder 2"/>
+          <p:cNvSpPr>
+            <a:spLocks noGrp="1"/>
+          </p:cNvSpPr>
+          <p:nvPr>
+            <p:ph type="body" idx="1"/>
+          </p:nvPr>
+        </p:nvSpPr>
+        <p:spPr/>
+        <p:txBody>
+          <a:bodyPr/>
+          <a:lstStyle/>
+          <a:p>
+            <a:endParaRPr lang="en-US"/>
+          </a:p>
+        </p:txBody>
+      </p:sp>
+      <p:sp>
+        <p:nvSpPr>
+          <p:cNvPr id="4" name="Slide Number Placeholder 3"/>
+          <p:cNvSpPr>
+            <a:spLocks noGrp="1"/>
+          </p:cNvSpPr>
+          <p:nvPr>
+            <p:ph type="sldNum" sz="quarter" idx="5"/>
+          </p:nvPr>
+        </p:nvSpPr>
+        <p:spPr/>
+        <p:txBody>
+          <a:bodyPr/>
+          <a:lstStyle/>
+          <a:p>
+            <a:fld id="{4CBCEA92-F142-4D57-B507-37BDAF44710C}" type="slidenum">
+              <a:rPr lang="en-US" smtClean="0"/>
+              <a:t>31</a:t>
+            </a:fld>
+            <a:endParaRPr lang="en-US" dirty="0"/>
+          </a:p>
+        </p:txBody>
+      </p:sp>
+    </p:spTree>
+    <p:extLst>
+      <p:ext uri="{BB962C8B-B14F-4D97-AF65-F5344CB8AC3E}">
+        <p14:creationId xmlns:p14="http://schemas.microsoft.com/office/powerpoint/2010/main" val="296585847"/>
+      </p:ext>
+    </p:extLst>
+  </p:cSld>
+  <p:clrMapOvr>
+    <a:masterClrMapping/>
+  </p:clrMapOvr>
+</p:notes>
+</file>
+
+<file path=ppt/notesSlides/notesSlide31.xml><?xml version="1.0" encoding="utf-8"?>
+<p:notes xmlns:a="http://schemas.openxmlformats.org/drawingml/2006/main" xmlns:r="http://schemas.openxmlformats.org/officeDocument/2006/relationships" xmlns:p="http://schemas.openxmlformats.org/presentationml/2006/main">
+  <p:cSld>
+    <p:spTree>
+      <p:nvGrpSpPr>
+        <p:cNvPr id="1" name=""/>
+        <p:cNvGrpSpPr/>
+        <p:nvPr/>
+      </p:nvGrpSpPr>
+      <p:grpSpPr>
+        <a:xfrm>
+          <a:off x="0" y="0"/>
+          <a:ext cx="0" cy="0"/>
+          <a:chOff x="0" y="0"/>
+          <a:chExt cx="0" cy="0"/>
+        </a:xfrm>
+      </p:grpSpPr>
+      <p:sp>
+        <p:nvSpPr>
+          <p:cNvPr id="2" name="Slide Image Placeholder 1"/>
+          <p:cNvSpPr>
+            <a:spLocks noGrp="1" noRot="1" noChangeAspect="1"/>
+          </p:cNvSpPr>
+          <p:nvPr>
+            <p:ph type="sldImg"/>
+          </p:nvPr>
+        </p:nvSpPr>
+        <p:spPr/>
+      </p:sp>
+      <p:sp>
+        <p:nvSpPr>
+          <p:cNvPr id="3" name="Notes Placeholder 2"/>
+          <p:cNvSpPr>
+            <a:spLocks noGrp="1"/>
+          </p:cNvSpPr>
+          <p:nvPr>
+            <p:ph type="body" idx="1"/>
+          </p:nvPr>
+        </p:nvSpPr>
+        <p:spPr/>
+        <p:txBody>
+          <a:bodyPr/>
+          <a:lstStyle/>
+          <a:p>
+            <a:endParaRPr lang="en-US"/>
+          </a:p>
+        </p:txBody>
+      </p:sp>
+      <p:sp>
+        <p:nvSpPr>
+          <p:cNvPr id="4" name="Slide Number Placeholder 3"/>
+          <p:cNvSpPr>
+            <a:spLocks noGrp="1"/>
+          </p:cNvSpPr>
+          <p:nvPr>
+            <p:ph type="sldNum" sz="quarter" idx="5"/>
+          </p:nvPr>
+        </p:nvSpPr>
+        <p:spPr/>
+        <p:txBody>
+          <a:bodyPr/>
+          <a:lstStyle/>
+          <a:p>
+            <a:fld id="{4CBCEA92-F142-4D57-B507-37BDAF44710C}" type="slidenum">
+              <a:rPr lang="en-US" smtClean="0"/>
+              <a:t>32</a:t>
+            </a:fld>
+            <a:endParaRPr lang="en-US" dirty="0"/>
+          </a:p>
+        </p:txBody>
+      </p:sp>
+    </p:spTree>
+    <p:extLst>
+      <p:ext uri="{BB962C8B-B14F-4D97-AF65-F5344CB8AC3E}">
+        <p14:creationId xmlns:p14="http://schemas.microsoft.com/office/powerpoint/2010/main" val="2114651026"/>
+      </p:ext>
+    </p:extLst>
+  </p:cSld>
+  <p:clrMapOvr>
+    <a:masterClrMapping/>
+  </p:clrMapOvr>
+</p:notes>
+</file>
+
+<file path=ppt/notesSlides/notesSlide32.xml><?xml version="1.0" encoding="utf-8"?>
+<p:notes xmlns:a="http://schemas.openxmlformats.org/drawingml/2006/main" xmlns:r="http://schemas.openxmlformats.org/officeDocument/2006/relationships" xmlns:p="http://schemas.openxmlformats.org/presentationml/2006/main">
+  <p:cSld>
+    <p:spTree>
+      <p:nvGrpSpPr>
+        <p:cNvPr id="1" name=""/>
+        <p:cNvGrpSpPr/>
+        <p:nvPr/>
+      </p:nvGrpSpPr>
+      <p:grpSpPr>
+        <a:xfrm>
+          <a:off x="0" y="0"/>
+          <a:ext cx="0" cy="0"/>
+          <a:chOff x="0" y="0"/>
+          <a:chExt cx="0" cy="0"/>
+        </a:xfrm>
+      </p:grpSpPr>
+      <p:sp>
+        <p:nvSpPr>
+          <p:cNvPr id="2" name="Slide Image Placeholder 1"/>
+          <p:cNvSpPr>
+            <a:spLocks noGrp="1" noRot="1" noChangeAspect="1"/>
+          </p:cNvSpPr>
+          <p:nvPr>
+            <p:ph type="sldImg"/>
+          </p:nvPr>
+        </p:nvSpPr>
+        <p:spPr/>
+      </p:sp>
+      <p:sp>
+        <p:nvSpPr>
+          <p:cNvPr id="3" name="Notes Placeholder 2"/>
+          <p:cNvSpPr>
+            <a:spLocks noGrp="1"/>
+          </p:cNvSpPr>
+          <p:nvPr>
+            <p:ph type="body" idx="1"/>
+          </p:nvPr>
+        </p:nvSpPr>
+        <p:spPr/>
+        <p:txBody>
+          <a:bodyPr/>
+          <a:lstStyle/>
+          <a:p>
+            <a:endParaRPr lang="en-US"/>
+          </a:p>
+        </p:txBody>
+      </p:sp>
+      <p:sp>
+        <p:nvSpPr>
+          <p:cNvPr id="4" name="Slide Number Placeholder 3"/>
+          <p:cNvSpPr>
+            <a:spLocks noGrp="1"/>
+          </p:cNvSpPr>
+          <p:nvPr>
+            <p:ph type="sldNum" sz="quarter" idx="10"/>
+          </p:nvPr>
+        </p:nvSpPr>
+        <p:spPr/>
+        <p:txBody>
+          <a:bodyPr/>
+          <a:lstStyle/>
+          <a:p>
+            <a:fld id="{4CBCEA92-F142-4D57-B507-37BDAF44710C}" type="slidenum">
+              <a:rPr lang="en-US" smtClean="0"/>
+              <a:t>33</a:t>
+            </a:fld>
+            <a:endParaRPr lang="en-US"/>
+          </a:p>
+        </p:txBody>
+      </p:sp>
+    </p:spTree>
+    <p:extLst>
+      <p:ext uri="{BB962C8B-B14F-4D97-AF65-F5344CB8AC3E}">
+        <p14:creationId xmlns:p14="http://schemas.microsoft.com/office/powerpoint/2010/main" val="856332428"/>
       </p:ext>
     </p:extLst>
   </p:cSld>
@@ -3064,7 +3326,7 @@
     </p:spTree>
     <p:extLst>
       <p:ext uri="{BB962C8B-B14F-4D97-AF65-F5344CB8AC3E}">
-        <p14:creationId xmlns:p14="http://schemas.microsoft.com/office/powerpoint/2010/main" val="803142552"/>
+        <p14:creationId xmlns:p14="http://schemas.microsoft.com/office/powerpoint/2010/main" val="3776194387"/>
       </p:ext>
     </p:extLst>
   </p:cSld>
@@ -5856,57 +6118,21 @@
           <a:p>
             <a:r>
               <a:rPr lang="en-US" dirty="0"/>
-              <a:t>Workflows</a:t>
+              <a:t>Steps</a:t>
             </a:r>
           </a:p>
           <a:p>
             <a:pPr lvl="1"/>
             <a:r>
               <a:rPr lang="en-US" dirty="0"/>
-              <a:t>A configurable automated process set up in your repo</a:t>
+              <a:t>An individual task that can run commands (called actions)</a:t>
             </a:r>
           </a:p>
           <a:p>
             <a:pPr lvl="1"/>
             <a:r>
               <a:rPr lang="en-US" dirty="0"/>
-              <a:t>Workflows are made up of one or more jobs</a:t>
-            </a:r>
-          </a:p>
-          <a:p>
-            <a:pPr lvl="1"/>
-            <a:r>
-              <a:rPr lang="en-US" dirty="0"/>
-              <a:t>Can be scheduled or activated by an event</a:t>
-            </a:r>
-          </a:p>
-          <a:p>
-            <a:pPr lvl="1"/>
-            <a:r>
-              <a:rPr lang="en-US" dirty="0"/>
-              <a:t>YAML file that defines your workflow and lives in the root of your GitHub repo in the </a:t>
-            </a:r>
-            <a:r>
-              <a:rPr lang="en-US" dirty="0">
-                <a:latin typeface="Consolas" panose="020B0609020204030204" pitchFamily="49" charset="0"/>
-              </a:rPr>
-              <a:t>.</a:t>
-            </a:r>
-            <a:r>
-              <a:rPr lang="en-US" dirty="0" err="1">
-                <a:latin typeface="Consolas" panose="020B0609020204030204" pitchFamily="49" charset="0"/>
-              </a:rPr>
-              <a:t>github</a:t>
-            </a:r>
-            <a:r>
-              <a:rPr lang="en-US" dirty="0">
-                <a:latin typeface="Consolas" panose="020B0609020204030204" pitchFamily="49" charset="0"/>
-              </a:rPr>
-              <a:t>/workflows </a:t>
-            </a:r>
-            <a:r>
-              <a:rPr lang="en-US" dirty="0"/>
-              <a:t>directory</a:t>
+              <a:t>Each step of the job is executed on the same runner to allow</a:t>
             </a:r>
           </a:p>
           <a:p>
@@ -5917,7 +6143,7 @@
     </p:spTree>
     <p:extLst>
       <p:ext uri="{BB962C8B-B14F-4D97-AF65-F5344CB8AC3E}">
-        <p14:creationId xmlns:p14="http://schemas.microsoft.com/office/powerpoint/2010/main" val="3286644429"/>
+        <p14:creationId xmlns:p14="http://schemas.microsoft.com/office/powerpoint/2010/main" val="3356324868"/>
       </p:ext>
     </p:extLst>
   </p:cSld>
@@ -6000,78 +6226,22 @@
           <a:p>
             <a:r>
               <a:rPr lang="en-US" dirty="0"/>
-              <a:t>Runners</a:t>
+              <a:t>Actions</a:t>
             </a:r>
           </a:p>
           <a:p>
             <a:pPr lvl="1"/>
             <a:r>
               <a:rPr lang="en-US" dirty="0"/>
-              <a:t>Any machine with the GitHub Actions runner application installed</a:t>
+              <a:t>Standalone commands</a:t>
             </a:r>
           </a:p>
           <a:p>
             <a:pPr lvl="1"/>
             <a:r>
               <a:rPr lang="en-US" dirty="0"/>
-              <a:t>Can be hosted by GitHub or host your own</a:t>
-            </a:r>
-          </a:p>
-          <a:p>
-            <a:pPr lvl="1"/>
-            <a:r>
-              <a:rPr lang="en-US" dirty="0"/>
-              <a:t>Runners wait for an available job, then executes job’s actions and reports the progress/logs/results back to GitHub</a:t>
-            </a:r>
-          </a:p>
-          <a:p>
-            <a:pPr lvl="1"/>
-            <a:r>
-              <a:rPr lang="en-US" dirty="0"/>
-              <a:t>Runners can run one job at a time</a:t>
-            </a:r>
-          </a:p>
-          <a:p>
-            <a:pPr lvl="1"/>
-            <a:r>
-              <a:rPr lang="en-US" dirty="0"/>
-              <a:t>GitHub hosted runner:</a:t>
-            </a:r>
-          </a:p>
-          <a:p>
-            <a:pPr lvl="2"/>
-            <a:r>
-              <a:rPr lang="en-US" dirty="0"/>
-              <a:t>2-core CPU, 7GB RAM, 14GB SSD</a:t>
-            </a:r>
-          </a:p>
-          <a:p>
-            <a:pPr lvl="2"/>
-            <a:r>
-              <a:rPr lang="en-US" dirty="0"/>
-              <a:t>Windows supported versions: Windows Server 2019</a:t>
-            </a:r>
-          </a:p>
-          <a:p>
-            <a:pPr lvl="2"/>
-            <a:r>
-              <a:rPr lang="en-US" dirty="0"/>
-              <a:t>Linux supported versions: Ubuntu 20.04, Ubuntu 18.04, Ubuntu 16.04</a:t>
-            </a:r>
-          </a:p>
-          <a:p>
-            <a:pPr lvl="2"/>
-            <a:r>
-              <a:rPr lang="en-US" dirty="0"/>
-              <a:t>macOS support versions: macOS Catalina 10.15</a:t>
-            </a:r>
-          </a:p>
-          <a:p>
-            <a:pPr lvl="1"/>
-            <a:endParaRPr lang="en-US" dirty="0"/>
-          </a:p>
-          <a:p>
-            <a:endParaRPr lang="en-US" dirty="0"/>
+              <a:t>Create your own actions or use and customize actions from the community</a:t>
+            </a:r>
           </a:p>
           <a:p>
             <a:endParaRPr lang="en-US" dirty="0"/>
@@ -6081,7 +6251,7 @@
     </p:spTree>
     <p:extLst>
       <p:ext uri="{BB962C8B-B14F-4D97-AF65-F5344CB8AC3E}">
-        <p14:creationId xmlns:p14="http://schemas.microsoft.com/office/powerpoint/2010/main" val="1200190774"/>
+        <p14:creationId xmlns:p14="http://schemas.microsoft.com/office/powerpoint/2010/main" val="3239358357"/>
       </p:ext>
     </p:extLst>
   </p:cSld>
@@ -6134,7 +6304,7 @@
                 <a:latin typeface="Segoe UI" panose="020B0502040204020203" pitchFamily="34" charset="0"/>
                 <a:cs typeface="Segoe UI" panose="020B0502040204020203" pitchFamily="34" charset="0"/>
               </a:rPr>
-              <a:t>GitHub Actions Limits</a:t>
+              <a:t>How GitHub Actions Work</a:t>
             </a:r>
           </a:p>
         </p:txBody>
@@ -6158,80 +6328,42 @@
         <p:spPr/>
         <p:txBody>
           <a:bodyPr>
-            <a:normAutofit fontScale="92500"/>
+            <a:normAutofit/>
           </a:bodyPr>
           <a:lstStyle/>
           <a:p>
             <a:r>
               <a:rPr lang="en-US" dirty="0"/>
-              <a:t>Job execution time: &lt;6 hours (does not apply to self-hosted runners)</a:t>
-            </a:r>
-          </a:p>
-          <a:p>
-            <a:r>
-              <a:rPr lang="en-US" dirty="0"/>
-              <a:t>Workflow run time: &lt;72 hours</a:t>
-            </a:r>
-          </a:p>
-          <a:p>
-            <a:r>
-              <a:rPr lang="en-US" dirty="0"/>
-              <a:t>Job queue time: &lt;24 hours (does not apply to self-hosted runners)</a:t>
-            </a:r>
-          </a:p>
-          <a:p>
-            <a:r>
-              <a:rPr lang="en-US" dirty="0"/>
-              <a:t>API requests: &lt;1000 requests</a:t>
-            </a:r>
-          </a:p>
-          <a:p>
-            <a:r>
-              <a:rPr lang="en-US" dirty="0"/>
-              <a:t>Concurrent jobs: (does not apply to self-hosted runners)</a:t>
+              <a:t>Runners</a:t>
             </a:r>
           </a:p>
           <a:p>
             <a:pPr lvl="1"/>
             <a:r>
               <a:rPr lang="en-US" dirty="0"/>
-              <a:t>Free plan: 20 total concurrent jobs, max of 5 macOS jobs</a:t>
+              <a:t>Any machine with the GitHub Actions runner application installed</a:t>
             </a:r>
           </a:p>
           <a:p>
             <a:pPr lvl="1"/>
             <a:r>
               <a:rPr lang="en-US" dirty="0"/>
-              <a:t>Pro plan: 40 total concurrent jobs, max of 5 macOS jobs</a:t>
+              <a:t>Can be hosted by GitHub or can host your own</a:t>
             </a:r>
           </a:p>
           <a:p>
             <a:pPr lvl="1"/>
             <a:r>
               <a:rPr lang="en-US" dirty="0"/>
-              <a:t>Team plan: 60 total concurrent jobs, max of 5 macOS jobs</a:t>
+              <a:t>Runners wait for an available job, then executes a job’s actions and reports the progress/logs/results back to GitHub</a:t>
             </a:r>
           </a:p>
           <a:p>
             <a:pPr lvl="1"/>
             <a:r>
               <a:rPr lang="en-US" dirty="0"/>
-              <a:t>Enterprise plan: 180 total concurrent jobs, max of 50 macOS jobs</a:t>
-            </a:r>
-          </a:p>
-          <a:p>
-            <a:r>
-              <a:rPr lang="en-US" dirty="0"/>
-              <a:t>Job matrix: &lt;256 jobs per workflow run</a:t>
-            </a:r>
-          </a:p>
-          <a:p>
-            <a:pPr lvl="2"/>
-            <a:endParaRPr lang="en-US" dirty="0"/>
-          </a:p>
-          <a:p>
-            <a:pPr lvl="1"/>
-            <a:endParaRPr lang="en-US" dirty="0"/>
+              <a:t>Runners can run one job at a time</a:t>
+            </a:r>
           </a:p>
           <a:p>
             <a:endParaRPr lang="en-US" dirty="0"/>
@@ -6244,7 +6376,7 @@
     </p:spTree>
     <p:extLst>
       <p:ext uri="{BB962C8B-B14F-4D97-AF65-F5344CB8AC3E}">
-        <p14:creationId xmlns:p14="http://schemas.microsoft.com/office/powerpoint/2010/main" val="3267369932"/>
+        <p14:creationId xmlns:p14="http://schemas.microsoft.com/office/powerpoint/2010/main" val="1200190774"/>
       </p:ext>
     </p:extLst>
   </p:cSld>
@@ -6297,7 +6429,7 @@
                 <a:latin typeface="Segoe UI" panose="020B0502040204020203" pitchFamily="34" charset="0"/>
                 <a:cs typeface="Segoe UI" panose="020B0502040204020203" pitchFamily="34" charset="0"/>
               </a:rPr>
-              <a:t>GitHub Actions Pricing</a:t>
+              <a:t>GitHub Actions Limits</a:t>
             </a:r>
           </a:p>
         </p:txBody>
@@ -6321,90 +6453,75 @@
         <p:spPr/>
         <p:txBody>
           <a:bodyPr>
-            <a:normAutofit fontScale="92500" lnSpcReduction="20000"/>
+            <a:normAutofit fontScale="92500"/>
           </a:bodyPr>
           <a:lstStyle/>
           <a:p>
             <a:r>
               <a:rPr lang="en-US" dirty="0"/>
-              <a:t>Public repositories: Free</a:t>
-            </a:r>
-          </a:p>
-          <a:p>
-            <a:r>
-              <a:rPr lang="en-US" dirty="0"/>
-              <a:t>OS runner minute multiplier</a:t>
+              <a:t>Job execution time: &lt;6 hours (does not apply to self-hosted runners)</a:t>
+            </a:r>
+          </a:p>
+          <a:p>
+            <a:r>
+              <a:rPr lang="en-US" dirty="0"/>
+              <a:t>Workflow run time: &lt;72 hours</a:t>
+            </a:r>
+          </a:p>
+          <a:p>
+            <a:r>
+              <a:rPr lang="en-US" dirty="0"/>
+              <a:t>Job queue time: &lt;24 hours (does not apply to self-hosted runners)</a:t>
+            </a:r>
+          </a:p>
+          <a:p>
+            <a:r>
+              <a:rPr lang="en-US" dirty="0"/>
+              <a:t>API requests: &lt;1000 requests</a:t>
+            </a:r>
+          </a:p>
+          <a:p>
+            <a:r>
+              <a:rPr lang="en-US" dirty="0"/>
+              <a:t>Concurrent jobs: (does not apply to self-hosted runners)</a:t>
             </a:r>
           </a:p>
           <a:p>
             <a:pPr lvl="1"/>
             <a:r>
               <a:rPr lang="en-US" dirty="0"/>
-              <a:t>Linux: 1</a:t>
+              <a:t>Free plan: 20 total concurrent jobs, max of 5 macOS jobs</a:t>
             </a:r>
           </a:p>
           <a:p>
             <a:pPr lvl="1"/>
             <a:r>
               <a:rPr lang="en-US" dirty="0"/>
-              <a:t>macOS: 10</a:t>
+              <a:t>Pro plan: 40 total concurrent jobs, max of 5 macOS jobs</a:t>
             </a:r>
           </a:p>
           <a:p>
             <a:pPr lvl="1"/>
             <a:r>
               <a:rPr lang="en-US" dirty="0"/>
-              <a:t>Windows: 2</a:t>
-            </a:r>
-          </a:p>
-          <a:p>
-            <a:r>
-              <a:rPr lang="en-US" dirty="0"/>
-              <a:t>Private repositories:</a:t>
+              <a:t>Team plan: 60 total concurrent jobs, max of 5 macOS jobs</a:t>
             </a:r>
           </a:p>
           <a:p>
             <a:pPr lvl="1"/>
             <a:r>
               <a:rPr lang="en-US" dirty="0"/>
-              <a:t>Free: 2,000 minutes included/per month/per account </a:t>
-            </a:r>
-          </a:p>
-          <a:p>
-            <a:pPr lvl="1"/>
-            <a:r>
-              <a:rPr lang="en-US" dirty="0"/>
-              <a:t>Pro: 3,000 minutes included/per month/per account </a:t>
-            </a:r>
-          </a:p>
-          <a:p>
-            <a:pPr lvl="1"/>
-            <a:r>
-              <a:rPr lang="en-US" dirty="0"/>
-              <a:t>Team: 3,000 minutes included/per month/per account </a:t>
-            </a:r>
-          </a:p>
-          <a:p>
-            <a:pPr lvl="1"/>
-            <a:r>
-              <a:rPr lang="en-US" dirty="0"/>
-              <a:t>Enterprise: 50,000 minutes included/per month/per account</a:t>
-            </a:r>
-          </a:p>
-          <a:p>
-            <a:r>
-              <a:rPr lang="en-US" dirty="0"/>
-              <a:t>Charged to account that owns the repo</a:t>
-            </a:r>
-          </a:p>
-          <a:p>
-            <a:r>
-              <a:rPr lang="en-US" dirty="0"/>
-              <a:t>Overage costs: $0.008/minute</a:t>
-            </a:r>
-          </a:p>
-          <a:p>
-            <a:pPr lvl="1"/>
+              <a:t>Enterprise plan: 180 total concurrent jobs, max of 50 macOS jobs</a:t>
+            </a:r>
+          </a:p>
+          <a:p>
+            <a:r>
+              <a:rPr lang="en-US" dirty="0"/>
+              <a:t>Job matrix: &lt;256 jobs per workflow run</a:t>
+            </a:r>
+          </a:p>
+          <a:p>
+            <a:pPr lvl="2"/>
             <a:endParaRPr lang="en-US" dirty="0"/>
           </a:p>
           <a:p>
@@ -6422,7 +6539,7 @@
     </p:spTree>
     <p:extLst>
       <p:ext uri="{BB962C8B-B14F-4D97-AF65-F5344CB8AC3E}">
-        <p14:creationId xmlns:p14="http://schemas.microsoft.com/office/powerpoint/2010/main" val="4203534442"/>
+        <p14:creationId xmlns:p14="http://schemas.microsoft.com/office/powerpoint/2010/main" val="3267369932"/>
       </p:ext>
     </p:extLst>
   </p:cSld>
@@ -6475,7 +6592,7 @@
                 <a:latin typeface="Segoe UI" panose="020B0502040204020203" pitchFamily="34" charset="0"/>
                 <a:cs typeface="Segoe UI" panose="020B0502040204020203" pitchFamily="34" charset="0"/>
               </a:rPr>
-              <a:t>GitHub Actions Pricing</a:t>
+              <a:t>GitHub Hosted Runner</a:t>
             </a:r>
           </a:p>
         </p:txBody>
@@ -6505,61 +6622,26 @@
           <a:p>
             <a:r>
               <a:rPr lang="en-US" dirty="0"/>
-              <a:t>Public repositories: Free</a:t>
-            </a:r>
-          </a:p>
-          <a:p>
-            <a:r>
-              <a:rPr lang="en-US" dirty="0"/>
-              <a:t>Private repositories:</a:t>
-            </a:r>
-          </a:p>
-          <a:p>
-            <a:pPr lvl="1"/>
-            <a:r>
-              <a:rPr lang="en-US" dirty="0"/>
-              <a:t>Free: 500MB included/per account</a:t>
-            </a:r>
-          </a:p>
-          <a:p>
-            <a:pPr lvl="1"/>
-            <a:r>
-              <a:rPr lang="en-US" dirty="0"/>
-              <a:t>Pro: 1GB included/per account </a:t>
-            </a:r>
-          </a:p>
-          <a:p>
-            <a:pPr lvl="1"/>
-            <a:r>
-              <a:rPr lang="en-US" dirty="0"/>
-              <a:t>Team: 2GB included/per account </a:t>
-            </a:r>
-          </a:p>
-          <a:p>
-            <a:pPr lvl="1"/>
-            <a:r>
-              <a:rPr lang="en-US" dirty="0"/>
-              <a:t>Enterprise: 50GB included/per account</a:t>
-            </a:r>
-          </a:p>
-          <a:p>
-            <a:r>
-              <a:rPr lang="en-US" dirty="0"/>
-              <a:t>Charged to account that owns the repo</a:t>
-            </a:r>
-          </a:p>
-          <a:p>
-            <a:r>
-              <a:rPr lang="en-US" dirty="0"/>
-              <a:t>Overage costs: $0.25/GB</a:t>
-            </a:r>
-          </a:p>
-          <a:p>
-            <a:endParaRPr lang="en-US" dirty="0"/>
-          </a:p>
-          <a:p>
-            <a:pPr lvl="1"/>
-            <a:endParaRPr lang="en-US" dirty="0"/>
+              <a:t>2-core CPU, 7GB RAM, 14GB SSD</a:t>
+            </a:r>
+          </a:p>
+          <a:p>
+            <a:r>
+              <a:rPr lang="en-US" dirty="0"/>
+              <a:t>Windows supported versions: Windows Server 2019</a:t>
+            </a:r>
+          </a:p>
+          <a:p>
+            <a:r>
+              <a:rPr lang="en-US" dirty="0"/>
+              <a:t>Linux supported versions: Ubuntu 20.04, Ubuntu 18.04, Ubuntu 16.04</a:t>
+            </a:r>
+          </a:p>
+          <a:p>
+            <a:r>
+              <a:rPr lang="en-US" dirty="0"/>
+              <a:t>macOS support versions: macOS Catalina 10.15</a:t>
+            </a:r>
           </a:p>
           <a:p>
             <a:pPr lvl="1"/>
@@ -6576,7 +6658,7 @@
     </p:spTree>
     <p:extLst>
       <p:ext uri="{BB962C8B-B14F-4D97-AF65-F5344CB8AC3E}">
-        <p14:creationId xmlns:p14="http://schemas.microsoft.com/office/powerpoint/2010/main" val="4110048012"/>
+        <p14:creationId xmlns:p14="http://schemas.microsoft.com/office/powerpoint/2010/main" val="2300705476"/>
       </p:ext>
     </p:extLst>
   </p:cSld>
@@ -6605,10 +6687,10 @@
       </p:grpSpPr>
       <p:sp>
         <p:nvSpPr>
-          <p:cNvPr id="4" name="Title 3">
+          <p:cNvPr id="2" name="Title 1">
             <a:extLst>
               <a:ext uri="{FF2B5EF4-FFF2-40B4-BE49-F238E27FC236}">
-                <a16:creationId xmlns:a16="http://schemas.microsoft.com/office/drawing/2014/main" id="{582C4A8F-F9EB-4B40-B360-5DF953CDB5D7}"/>
+                <a16:creationId xmlns:a16="http://schemas.microsoft.com/office/drawing/2014/main" id="{9D6E2161-D92B-42C0-AF4F-2B434AC18F21}"/>
               </a:ext>
             </a:extLst>
           </p:cNvPr>
@@ -6625,16 +6707,136 @@
           <a:lstStyle/>
           <a:p>
             <a:r>
-              <a:rPr lang="en-US" dirty="0"/>
-              <a:t>Demo</a:t>
-            </a:r>
+              <a:rPr lang="en-US" b="1" dirty="0">
+                <a:latin typeface="Segoe UI" panose="020B0502040204020203" pitchFamily="34" charset="0"/>
+                <a:cs typeface="Segoe UI" panose="020B0502040204020203" pitchFamily="34" charset="0"/>
+              </a:rPr>
+              <a:t>GitHub Actions Pricing</a:t>
+            </a:r>
+          </a:p>
+        </p:txBody>
+      </p:sp>
+      <p:sp>
+        <p:nvSpPr>
+          <p:cNvPr id="5" name="Content Placeholder 4">
+            <a:extLst>
+              <a:ext uri="{FF2B5EF4-FFF2-40B4-BE49-F238E27FC236}">
+                <a16:creationId xmlns:a16="http://schemas.microsoft.com/office/drawing/2014/main" id="{7C15718D-FA5D-48BA-86BA-E516A20F6B7F}"/>
+              </a:ext>
+            </a:extLst>
+          </p:cNvPr>
+          <p:cNvSpPr>
+            <a:spLocks noGrp="1"/>
+          </p:cNvSpPr>
+          <p:nvPr>
+            <p:ph sz="quarter" idx="10"/>
+          </p:nvPr>
+        </p:nvSpPr>
+        <p:spPr/>
+        <p:txBody>
+          <a:bodyPr>
+            <a:normAutofit fontScale="92500" lnSpcReduction="20000"/>
+          </a:bodyPr>
+          <a:lstStyle/>
+          <a:p>
+            <a:r>
+              <a:rPr lang="en-US" dirty="0"/>
+              <a:t>Public repositories: Free</a:t>
+            </a:r>
+          </a:p>
+          <a:p>
+            <a:r>
+              <a:rPr lang="en-US" dirty="0"/>
+              <a:t>Private repositories:</a:t>
+            </a:r>
+          </a:p>
+          <a:p>
+            <a:pPr lvl="1"/>
+            <a:r>
+              <a:rPr lang="en-US" dirty="0"/>
+              <a:t>Free: 2,000 minutes included/per month/per account </a:t>
+            </a:r>
+          </a:p>
+          <a:p>
+            <a:pPr lvl="1"/>
+            <a:r>
+              <a:rPr lang="en-US" dirty="0"/>
+              <a:t>Pro: 3,000 minutes included/per month/per account </a:t>
+            </a:r>
+          </a:p>
+          <a:p>
+            <a:pPr lvl="1"/>
+            <a:r>
+              <a:rPr lang="en-US" dirty="0"/>
+              <a:t>Team: 3,000 minutes included/per month/per account </a:t>
+            </a:r>
+          </a:p>
+          <a:p>
+            <a:pPr lvl="1"/>
+            <a:r>
+              <a:rPr lang="en-US" dirty="0"/>
+              <a:t>Enterprise: 50,000 minutes included/per month/per account</a:t>
+            </a:r>
+          </a:p>
+          <a:p>
+            <a:r>
+              <a:rPr lang="en-US" dirty="0"/>
+              <a:t>OS runner minute multiplier</a:t>
+            </a:r>
+          </a:p>
+          <a:p>
+            <a:pPr lvl="1"/>
+            <a:r>
+              <a:rPr lang="en-US" dirty="0"/>
+              <a:t>Linux: 1</a:t>
+            </a:r>
+          </a:p>
+          <a:p>
+            <a:pPr lvl="1"/>
+            <a:r>
+              <a:rPr lang="en-US" dirty="0"/>
+              <a:t>macOS: 10</a:t>
+            </a:r>
+          </a:p>
+          <a:p>
+            <a:pPr lvl="1"/>
+            <a:r>
+              <a:rPr lang="en-US" dirty="0"/>
+              <a:t>Windows: 2</a:t>
+            </a:r>
+          </a:p>
+          <a:p>
+            <a:r>
+              <a:rPr lang="en-US" dirty="0"/>
+              <a:t>Charged to account that owns the repo</a:t>
+            </a:r>
+          </a:p>
+          <a:p>
+            <a:r>
+              <a:rPr lang="en-US" dirty="0"/>
+              <a:t>Overage costs: $0.008/minute</a:t>
+            </a:r>
+          </a:p>
+          <a:p>
+            <a:pPr lvl="1"/>
+            <a:endParaRPr lang="en-US" dirty="0"/>
+          </a:p>
+          <a:p>
+            <a:pPr lvl="1"/>
+            <a:endParaRPr lang="en-US" dirty="0"/>
+          </a:p>
+          <a:p>
+            <a:endParaRPr lang="en-US" dirty="0"/>
+          </a:p>
+          <a:p>
+            <a:endParaRPr lang="en-US" dirty="0"/>
           </a:p>
         </p:txBody>
       </p:sp>
     </p:spTree>
     <p:extLst>
       <p:ext uri="{BB962C8B-B14F-4D97-AF65-F5344CB8AC3E}">
-        <p14:creationId xmlns:p14="http://schemas.microsoft.com/office/powerpoint/2010/main" val="458770971"/>
+        <p14:creationId xmlns:p14="http://schemas.microsoft.com/office/powerpoint/2010/main" val="4203534442"/>
       </p:ext>
     </p:extLst>
   </p:cSld>
@@ -6679,9 +6881,7 @@
         </p:nvSpPr>
         <p:spPr/>
         <p:txBody>
-          <a:bodyPr>
-            <a:normAutofit/>
-          </a:bodyPr>
+          <a:bodyPr/>
           <a:lstStyle/>
           <a:p>
             <a:r>
@@ -6689,7 +6889,7 @@
                 <a:latin typeface="Segoe UI" panose="020B0502040204020203" pitchFamily="34" charset="0"/>
                 <a:cs typeface="Segoe UI" panose="020B0502040204020203" pitchFamily="34" charset="0"/>
               </a:rPr>
-              <a:t>Creating a CI/CD Pipeline</a:t>
+              <a:t>GitHub Actions Pricing</a:t>
             </a:r>
           </a:p>
         </p:txBody>
@@ -6719,15 +6919,78 @@
           <a:p>
             <a:r>
               <a:rPr lang="en-US" dirty="0"/>
-              <a:t>Make sure GitHub Actions is enabled in your repo</a:t>
-            </a:r>
+              <a:t>Public repositories: Free</a:t>
+            </a:r>
+          </a:p>
+          <a:p>
+            <a:r>
+              <a:rPr lang="en-US" dirty="0"/>
+              <a:t>Private repositories:</a:t>
+            </a:r>
+          </a:p>
+          <a:p>
+            <a:pPr lvl="1"/>
+            <a:r>
+              <a:rPr lang="en-US" dirty="0"/>
+              <a:t>Free: 500MB included/per account</a:t>
+            </a:r>
+          </a:p>
+          <a:p>
+            <a:pPr lvl="1"/>
+            <a:r>
+              <a:rPr lang="en-US" dirty="0"/>
+              <a:t>Pro: 1GB included/per account </a:t>
+            </a:r>
+          </a:p>
+          <a:p>
+            <a:pPr lvl="1"/>
+            <a:r>
+              <a:rPr lang="en-US" dirty="0"/>
+              <a:t>Team: 2GB included/per account </a:t>
+            </a:r>
+          </a:p>
+          <a:p>
+            <a:pPr lvl="1"/>
+            <a:r>
+              <a:rPr lang="en-US" dirty="0"/>
+              <a:t>Enterprise: 50GB included/per account</a:t>
+            </a:r>
+          </a:p>
+          <a:p>
+            <a:r>
+              <a:rPr lang="en-US" dirty="0"/>
+              <a:t>Charged to account that owns the repo</a:t>
+            </a:r>
+          </a:p>
+          <a:p>
+            <a:r>
+              <a:rPr lang="en-US" dirty="0"/>
+              <a:t>Overage costs: $0.25/GB</a:t>
+            </a:r>
+          </a:p>
+          <a:p>
+            <a:endParaRPr lang="en-US" dirty="0"/>
+          </a:p>
+          <a:p>
+            <a:pPr lvl="1"/>
+            <a:endParaRPr lang="en-US" dirty="0"/>
+          </a:p>
+          <a:p>
+            <a:pPr lvl="1"/>
+            <a:endParaRPr lang="en-US" dirty="0"/>
+          </a:p>
+          <a:p>
+            <a:endParaRPr lang="en-US" dirty="0"/>
+          </a:p>
+          <a:p>
+            <a:endParaRPr lang="en-US" dirty="0"/>
           </a:p>
         </p:txBody>
       </p:sp>
     </p:spTree>
     <p:extLst>
       <p:ext uri="{BB962C8B-B14F-4D97-AF65-F5344CB8AC3E}">
-        <p14:creationId xmlns:p14="http://schemas.microsoft.com/office/powerpoint/2010/main" val="1303267961"/>
+        <p14:creationId xmlns:p14="http://schemas.microsoft.com/office/powerpoint/2010/main" val="4110048012"/>
       </p:ext>
     </p:extLst>
   </p:cSld>
@@ -6756,10 +7019,10 @@
       </p:grpSpPr>
       <p:sp>
         <p:nvSpPr>
-          <p:cNvPr id="2" name="Title 1">
+          <p:cNvPr id="4" name="Title 3">
             <a:extLst>
               <a:ext uri="{FF2B5EF4-FFF2-40B4-BE49-F238E27FC236}">
-                <a16:creationId xmlns:a16="http://schemas.microsoft.com/office/drawing/2014/main" id="{9D6E2161-D92B-42C0-AF4F-2B434AC18F21}"/>
+                <a16:creationId xmlns:a16="http://schemas.microsoft.com/office/drawing/2014/main" id="{582C4A8F-F9EB-4B40-B360-5DF953CDB5D7}"/>
               </a:ext>
             </a:extLst>
           </p:cNvPr>
@@ -6778,133 +7041,8 @@
           <a:lstStyle/>
           <a:p>
             <a:r>
-              <a:rPr lang="en-US" b="1" dirty="0">
-                <a:latin typeface="Segoe UI" panose="020B0502040204020203" pitchFamily="34" charset="0"/>
-                <a:cs typeface="Segoe UI" panose="020B0502040204020203" pitchFamily="34" charset="0"/>
-              </a:rPr>
+              <a:rPr lang="en-US" dirty="0"/>
               <a:t>Creating a CI/CD Pipeline</a:t>
-            </a:r>
-          </a:p>
-        </p:txBody>
-      </p:sp>
-      <p:sp>
-        <p:nvSpPr>
-          <p:cNvPr id="5" name="Content Placeholder 4">
-            <a:extLst>
-              <a:ext uri="{FF2B5EF4-FFF2-40B4-BE49-F238E27FC236}">
-                <a16:creationId xmlns:a16="http://schemas.microsoft.com/office/drawing/2014/main" id="{7C15718D-FA5D-48BA-86BA-E516A20F6B7F}"/>
-              </a:ext>
-            </a:extLst>
-          </p:cNvPr>
-          <p:cNvSpPr>
-            <a:spLocks noGrp="1"/>
-          </p:cNvSpPr>
-          <p:nvPr>
-            <p:ph sz="quarter" idx="10"/>
-          </p:nvPr>
-        </p:nvSpPr>
-        <p:spPr/>
-        <p:txBody>
-          <a:bodyPr>
-            <a:normAutofit/>
-          </a:bodyPr>
-          <a:lstStyle/>
-          <a:p>
-            <a:r>
-              <a:rPr lang="en-US" dirty="0"/>
-              <a:t>Create workflow YAML file in </a:t>
-            </a:r>
-            <a:r>
-              <a:rPr lang="en-US" dirty="0">
-                <a:latin typeface="Consolas" panose="020B0609020204030204" pitchFamily="49" charset="0"/>
-              </a:rPr>
-              <a:t>.</a:t>
-            </a:r>
-            <a:r>
-              <a:rPr lang="en-US" dirty="0" err="1">
-                <a:latin typeface="Consolas" panose="020B0609020204030204" pitchFamily="49" charset="0"/>
-              </a:rPr>
-              <a:t>github</a:t>
-            </a:r>
-            <a:r>
-              <a:rPr lang="en-US" dirty="0">
-                <a:latin typeface="Consolas" panose="020B0609020204030204" pitchFamily="49" charset="0"/>
-              </a:rPr>
-              <a:t>/workflows</a:t>
-            </a:r>
-            <a:r>
-              <a:rPr lang="en-US" dirty="0"/>
-              <a:t> in the root of your repo</a:t>
-            </a:r>
-          </a:p>
-          <a:p>
-            <a:pPr lvl="1"/>
-            <a:r>
-              <a:rPr lang="en-US" dirty="0"/>
-              <a:t>Name your workflow</a:t>
-            </a:r>
-          </a:p>
-          <a:p>
-            <a:pPr marL="914400" lvl="2" indent="0">
-              <a:buNone/>
-            </a:pPr>
-            <a:r>
-              <a:rPr lang="en-US" dirty="0">
-                <a:highlight>
-                  <a:srgbClr val="D9D9D9"/>
-                </a:highlight>
-                <a:latin typeface="Consolas" panose="020B0609020204030204" pitchFamily="49" charset="0"/>
-              </a:rPr>
-              <a:t>name: Build and deploy an ASP.NET Core app to Azure Web Apps</a:t>
-            </a:r>
-          </a:p>
-          <a:p>
-            <a:pPr lvl="1"/>
-            <a:r>
-              <a:rPr lang="en-US" dirty="0"/>
-              <a:t>Define an event section so GitHub Actions knows when to fire it off</a:t>
-            </a:r>
-          </a:p>
-          <a:p>
-            <a:pPr marL="914400" lvl="2" indent="0">
-              <a:buNone/>
-            </a:pPr>
-            <a:r>
-              <a:rPr lang="en-US" dirty="0">
-                <a:highlight>
-                  <a:srgbClr val="D9D9D9"/>
-                </a:highlight>
-                <a:latin typeface="Consolas" panose="020B0609020204030204" pitchFamily="49" charset="0"/>
-              </a:rPr>
-              <a:t>on:</a:t>
-            </a:r>
-          </a:p>
-          <a:p>
-            <a:pPr marL="914400" lvl="2" indent="0">
-              <a:buNone/>
-            </a:pPr>
-            <a:r>
-              <a:rPr lang="en-US" dirty="0">
-                <a:highlight>
-                  <a:srgbClr val="D9D9D9"/>
-                </a:highlight>
-                <a:latin typeface="Consolas" panose="020B0609020204030204" pitchFamily="49" charset="0"/>
-              </a:rPr>
-              <a:t>  push:</a:t>
-            </a:r>
-          </a:p>
-          <a:p>
-            <a:pPr marL="914400" lvl="2" indent="0">
-              <a:buNone/>
-            </a:pPr>
-            <a:r>
-              <a:rPr lang="en-US" dirty="0">
-                <a:highlight>
-                  <a:srgbClr val="D9D9D9"/>
-                </a:highlight>
-                <a:latin typeface="Consolas" panose="020B0609020204030204" pitchFamily="49" charset="0"/>
-              </a:rPr>
-              <a:t>    branches: [ master ]</a:t>
             </a:r>
           </a:p>
         </p:txBody>
@@ -6912,7 +7050,7 @@
     </p:spTree>
     <p:extLst>
       <p:ext uri="{BB962C8B-B14F-4D97-AF65-F5344CB8AC3E}">
-        <p14:creationId xmlns:p14="http://schemas.microsoft.com/office/powerpoint/2010/main" val="4041322979"/>
+        <p14:creationId xmlns:p14="http://schemas.microsoft.com/office/powerpoint/2010/main" val="458770971"/>
       </p:ext>
     </p:extLst>
   </p:cSld>
@@ -6997,28 +7135,7 @@
           <a:p>
             <a:r>
               <a:rPr lang="en-US" dirty="0"/>
-              <a:t>In your workflow file, build the project</a:t>
-            </a:r>
-          </a:p>
-          <a:p>
-            <a:pPr lvl="1"/>
-            <a:r>
-              <a:rPr lang="en-US" dirty="0"/>
-              <a:t>Create a jobs section</a:t>
-            </a:r>
-          </a:p>
-          <a:p>
-            <a:pPr marL="914400" lvl="2" indent="0">
-              <a:buNone/>
-            </a:pPr>
-            <a:r>
-              <a:rPr lang="en-US" sz="1400" dirty="0">
-                <a:highlight>
-                  <a:srgbClr val="D9D9D9"/>
-                </a:highlight>
-                <a:latin typeface="Consolas" panose="020B0609020204030204" pitchFamily="49" charset="0"/>
-              </a:rPr>
-              <a:t>jobs:</a:t>
+              <a:t>Make sure GitHub Actions is enabled in your repo</a:t>
             </a:r>
           </a:p>
         </p:txBody>
@@ -7026,7 +7143,7 @@
     </p:spTree>
     <p:extLst>
       <p:ext uri="{BB962C8B-B14F-4D97-AF65-F5344CB8AC3E}">
-        <p14:creationId xmlns:p14="http://schemas.microsoft.com/office/powerpoint/2010/main" val="9901159"/>
+        <p14:creationId xmlns:p14="http://schemas.microsoft.com/office/powerpoint/2010/main" val="1303267961"/>
       </p:ext>
     </p:extLst>
   </p:cSld>
@@ -7111,42 +7228,29 @@
           <a:p>
             <a:r>
               <a:rPr lang="en-US" dirty="0"/>
-              <a:t>In your workflow file, build the project</a:t>
-            </a:r>
-          </a:p>
-          <a:p>
-            <a:pPr lvl="1"/>
-            <a:r>
-              <a:rPr lang="en-US" dirty="0"/>
-              <a:t>Name the job</a:t>
-            </a:r>
-          </a:p>
-          <a:p>
-            <a:pPr marL="914400" lvl="2" indent="0">
-              <a:buNone/>
-            </a:pPr>
-            <a:r>
-              <a:rPr lang="en-US" sz="1400" dirty="0">
-                <a:highlight>
-                  <a:srgbClr val="D9D9D9"/>
-                </a:highlight>
+              <a:t>Create workflow YAML file in </a:t>
+            </a:r>
+            <a:r>
+              <a:rPr lang="en-US" dirty="0">
                 <a:latin typeface="Consolas" panose="020B0609020204030204" pitchFamily="49" charset="0"/>
               </a:rPr>
-              <a:t>jobs:</a:t>
-            </a:r>
-          </a:p>
-          <a:p>
-            <a:pPr marL="914400" lvl="2" indent="0">
-              <a:buNone/>
-            </a:pPr>
-            <a:r>
-              <a:rPr lang="en-US" sz="1400" dirty="0">
-                <a:highlight>
-                  <a:srgbClr val="D9D9D9"/>
-                </a:highlight>
+              <a:t>.</a:t>
+            </a:r>
+            <a:r>
+              <a:rPr lang="en-US" dirty="0" err="1">
                 <a:latin typeface="Consolas" panose="020B0609020204030204" pitchFamily="49" charset="0"/>
               </a:rPr>
-              <a:t>  build-and-deploy:</a:t>
+              <a:t>github</a:t>
+            </a:r>
+            <a:r>
+              <a:rPr lang="en-US" dirty="0">
+                <a:latin typeface="Consolas" panose="020B0609020204030204" pitchFamily="49" charset="0"/>
+              </a:rPr>
+              <a:t>/workflows</a:t>
+            </a:r>
+            <a:r>
+              <a:rPr lang="en-US" dirty="0"/>
+              <a:t> in the root of your repo</a:t>
             </a:r>
           </a:p>
         </p:txBody>
@@ -7154,7 +7258,7 @@
     </p:spTree>
     <p:extLst>
       <p:ext uri="{BB962C8B-B14F-4D97-AF65-F5344CB8AC3E}">
-        <p14:creationId xmlns:p14="http://schemas.microsoft.com/office/powerpoint/2010/main" val="4239874411"/>
+        <p14:creationId xmlns:p14="http://schemas.microsoft.com/office/powerpoint/2010/main" val="4041322979"/>
       </p:ext>
     </p:extLst>
   </p:cSld>
@@ -7245,6 +7349,30 @@
           </a:p>
           <a:p>
             <a:r>
+              <a:rPr lang="en-US" dirty="0"/>
+              <a:t>10+ years of professional experience</a:t>
+            </a:r>
+          </a:p>
+          <a:p>
+            <a:r>
+              <a:rPr lang="en-US" dirty="0"/>
+              <a:t>.NET Developer</a:t>
+            </a:r>
+          </a:p>
+          <a:p>
+            <a:r>
+              <a:rPr lang="en-US" dirty="0"/>
+              <a:t>Microsoft MVP</a:t>
+            </a:r>
+          </a:p>
+          <a:p>
+            <a:r>
+              <a:rPr lang="en-US" dirty="0"/>
+              <a:t>Co-organizer of NYC .NET Dev User Group</a:t>
+            </a:r>
+          </a:p>
+          <a:p>
+            <a:r>
               <a:rPr lang="en-US" dirty="0">
                 <a:hlinkClick r:id="rId3"/>
               </a:rPr>
@@ -7259,33 +7387,6 @@
               </a:rPr>
               <a:t>https://github.com/bjablonsky</a:t>
             </a:r>
-            <a:endParaRPr lang="en-US" dirty="0"/>
-          </a:p>
-          <a:p>
-            <a:r>
-              <a:rPr lang="en-US" dirty="0"/>
-              <a:t>Microsoft MVP</a:t>
-            </a:r>
-          </a:p>
-          <a:p>
-            <a:r>
-              <a:rPr lang="en-US" dirty="0"/>
-              <a:t>Co-organizer of NYC .NET Dev User Group</a:t>
-            </a:r>
-          </a:p>
-          <a:p>
-            <a:r>
-              <a:rPr lang="en-US" dirty="0"/>
-              <a:t>.NET Developer</a:t>
-            </a:r>
-          </a:p>
-          <a:p>
-            <a:r>
-              <a:rPr lang="en-US" dirty="0"/>
-              <a:t>10+ years of professional experience</a:t>
-            </a:r>
-          </a:p>
-          <a:p>
             <a:endParaRPr lang="en-US" dirty="0"/>
           </a:p>
         </p:txBody>
@@ -7517,14 +7618,14 @@
           <a:p>
             <a:r>
               <a:rPr lang="en-US" dirty="0"/>
-              <a:t>In your workflow file, build the project</a:t>
+              <a:t>In your workflow file:</a:t>
             </a:r>
           </a:p>
           <a:p>
             <a:pPr lvl="1"/>
             <a:r>
               <a:rPr lang="en-US" dirty="0"/>
-              <a:t>Define what runner to use </a:t>
+              <a:t>Name your workflow</a:t>
             </a:r>
           </a:p>
           <a:p>
@@ -7534,50 +7635,19 @@
             <a:r>
               <a:rPr lang="en-US" sz="1400" dirty="0">
                 <a:highlight>
-                  <a:srgbClr val="D9D9D9"/>
+                  <a:srgbClr val="FFFF00"/>
                 </a:highlight>
                 <a:latin typeface="Consolas" panose="020B0609020204030204" pitchFamily="49" charset="0"/>
               </a:rPr>
-              <a:t>jobs:</a:t>
-            </a:r>
-          </a:p>
-          <a:p>
-            <a:pPr marL="914400" lvl="2" indent="0">
-              <a:buNone/>
-            </a:pPr>
-            <a:r>
-              <a:rPr lang="en-US" sz="1400" dirty="0">
-                <a:highlight>
-                  <a:srgbClr val="D9D9D9"/>
-                </a:highlight>
-                <a:latin typeface="Consolas" panose="020B0609020204030204" pitchFamily="49" charset="0"/>
-              </a:rPr>
-              <a:t>  build-and-deploy:</a:t>
-            </a:r>
-          </a:p>
-          <a:p>
-            <a:pPr marL="914400" lvl="2" indent="0">
-              <a:buNone/>
-            </a:pPr>
-            <a:r>
-              <a:rPr lang="en-US" sz="1400" dirty="0">
-                <a:highlight>
-                  <a:srgbClr val="D9D9D9"/>
-                </a:highlight>
-                <a:latin typeface="Consolas" panose="020B0609020204030204" pitchFamily="49" charset="0"/>
-              </a:rPr>
-              <a:t>    runs-on: ubuntu-latest</a:t>
-            </a:r>
-          </a:p>
-          <a:p>
-            <a:endParaRPr lang="en-US" dirty="0"/>
+              <a:t>name: Build and deploy an ASP.NET Core app to Azure Web Apps</a:t>
+            </a:r>
           </a:p>
         </p:txBody>
       </p:sp>
     </p:spTree>
     <p:extLst>
       <p:ext uri="{BB962C8B-B14F-4D97-AF65-F5344CB8AC3E}">
-        <p14:creationId xmlns:p14="http://schemas.microsoft.com/office/powerpoint/2010/main" val="2762012284"/>
+        <p14:creationId xmlns:p14="http://schemas.microsoft.com/office/powerpoint/2010/main" val="558005729"/>
       </p:ext>
     </p:extLst>
   </p:cSld>
@@ -7656,20 +7726,20 @@
         <p:spPr/>
         <p:txBody>
           <a:bodyPr>
-            <a:normAutofit fontScale="70000" lnSpcReduction="20000"/>
+            <a:normAutofit/>
           </a:bodyPr>
           <a:lstStyle/>
           <a:p>
             <a:r>
-              <a:rPr lang="en-US" sz="4000" dirty="0"/>
-              <a:t>In your workflow file, build the project</a:t>
+              <a:rPr lang="en-US" dirty="0"/>
+              <a:t>In your workflow file:</a:t>
             </a:r>
           </a:p>
           <a:p>
             <a:pPr lvl="1"/>
             <a:r>
-              <a:rPr lang="en-US" sz="3400" dirty="0"/>
-              <a:t>Create the steps to checkout and build/test your project</a:t>
+              <a:rPr lang="en-US" dirty="0"/>
+              <a:t>Define an event section so GitHub Actions knows when to fire it off</a:t>
             </a:r>
           </a:p>
           <a:p>
@@ -7677,13 +7747,13 @@
               <a:buNone/>
             </a:pPr>
             <a:r>
-              <a:rPr lang="en-US" dirty="0">
+              <a:rPr lang="en-US" sz="1400" dirty="0">
                 <a:highlight>
                   <a:srgbClr val="D9D9D9"/>
                 </a:highlight>
                 <a:latin typeface="Consolas" panose="020B0609020204030204" pitchFamily="49" charset="0"/>
               </a:rPr>
-              <a:t>jobs:</a:t>
+              <a:t>name: Build and deploy an ASP.NET Core app to Azure Web Apps</a:t>
             </a:r>
           </a:p>
           <a:p>
@@ -7691,13 +7761,13 @@
               <a:buNone/>
             </a:pPr>
             <a:r>
-              <a:rPr lang="en-US" dirty="0">
+              <a:rPr lang="en-US" sz="1400" dirty="0">
                 <a:highlight>
-                  <a:srgbClr val="D9D9D9"/>
+                  <a:srgbClr val="FFFF00"/>
                 </a:highlight>
                 <a:latin typeface="Consolas" panose="020B0609020204030204" pitchFamily="49" charset="0"/>
               </a:rPr>
-              <a:t>  build-and-deploy:</a:t>
+              <a:t>on:</a:t>
             </a:r>
           </a:p>
           <a:p>
@@ -7705,13 +7775,13 @@
               <a:buNone/>
             </a:pPr>
             <a:r>
-              <a:rPr lang="en-US" dirty="0">
+              <a:rPr lang="en-US" sz="1400" dirty="0">
                 <a:highlight>
-                  <a:srgbClr val="D9D9D9"/>
+                  <a:srgbClr val="FFFF00"/>
                 </a:highlight>
                 <a:latin typeface="Consolas" panose="020B0609020204030204" pitchFamily="49" charset="0"/>
               </a:rPr>
-              <a:t>    runs-on: ubuntu-latest</a:t>
+              <a:t>  push:</a:t>
             </a:r>
           </a:p>
           <a:p>
@@ -7719,235 +7789,13 @@
               <a:buNone/>
             </a:pPr>
             <a:r>
-              <a:rPr lang="en-US" dirty="0">
+              <a:rPr lang="en-US" sz="1400" dirty="0">
                 <a:highlight>
-                  <a:srgbClr val="D9D9D9"/>
+                  <a:srgbClr val="FFFF00"/>
                 </a:highlight>
                 <a:latin typeface="Consolas" panose="020B0609020204030204" pitchFamily="49" charset="0"/>
               </a:rPr>
-              <a:t>    steps:</a:t>
-            </a:r>
-          </a:p>
-          <a:p>
-            <a:pPr marL="914400" lvl="2" indent="0">
-              <a:buNone/>
-            </a:pPr>
-            <a:r>
-              <a:rPr lang="en-US" dirty="0">
-                <a:highlight>
-                  <a:srgbClr val="D9D9D9"/>
-                </a:highlight>
-                <a:latin typeface="Consolas" panose="020B0609020204030204" pitchFamily="49" charset="0"/>
-              </a:rPr>
-              <a:t>    - name: Checkout code</a:t>
-            </a:r>
-          </a:p>
-          <a:p>
-            <a:pPr marL="914400" lvl="2" indent="0">
-              <a:buNone/>
-            </a:pPr>
-            <a:r>
-              <a:rPr lang="en-US" dirty="0">
-                <a:highlight>
-                  <a:srgbClr val="D9D9D9"/>
-                </a:highlight>
-                <a:latin typeface="Consolas" panose="020B0609020204030204" pitchFamily="49" charset="0"/>
-              </a:rPr>
-              <a:t>      uses: actions/checkout@v2</a:t>
-            </a:r>
-          </a:p>
-          <a:p>
-            <a:pPr marL="914400" lvl="2" indent="0">
-              <a:buNone/>
-            </a:pPr>
-            <a:r>
-              <a:rPr lang="en-US" dirty="0">
-                <a:highlight>
-                  <a:srgbClr val="D9D9D9"/>
-                </a:highlight>
-                <a:latin typeface="Consolas" panose="020B0609020204030204" pitchFamily="49" charset="0"/>
-              </a:rPr>
-              <a:t>    - name: Setup .NET Core</a:t>
-            </a:r>
-          </a:p>
-          <a:p>
-            <a:pPr marL="914400" lvl="2" indent="0">
-              <a:buNone/>
-            </a:pPr>
-            <a:r>
-              <a:rPr lang="en-US" dirty="0">
-                <a:highlight>
-                  <a:srgbClr val="D9D9D9"/>
-                </a:highlight>
-                <a:latin typeface="Consolas" panose="020B0609020204030204" pitchFamily="49" charset="0"/>
-              </a:rPr>
-              <a:t>      uses: actions/setup-dotnet@v1</a:t>
-            </a:r>
-          </a:p>
-          <a:p>
-            <a:pPr marL="914400" lvl="2" indent="0">
-              <a:buNone/>
-            </a:pPr>
-            <a:r>
-              <a:rPr lang="en-US" dirty="0">
-                <a:highlight>
-                  <a:srgbClr val="D9D9D9"/>
-                </a:highlight>
-                <a:latin typeface="Consolas" panose="020B0609020204030204" pitchFamily="49" charset="0"/>
-              </a:rPr>
-              <a:t>      with:</a:t>
-            </a:r>
-          </a:p>
-          <a:p>
-            <a:pPr marL="914400" lvl="2" indent="0">
-              <a:buNone/>
-            </a:pPr>
-            <a:r>
-              <a:rPr lang="en-US" dirty="0">
-                <a:highlight>
-                  <a:srgbClr val="D9D9D9"/>
-                </a:highlight>
-                <a:latin typeface="Consolas" panose="020B0609020204030204" pitchFamily="49" charset="0"/>
-              </a:rPr>
-              <a:t>        dotnet-version: ‘3.1.x’</a:t>
-            </a:r>
-          </a:p>
-          <a:p>
-            <a:pPr marL="914400" lvl="2" indent="0">
-              <a:buNone/>
-            </a:pPr>
-            <a:r>
-              <a:rPr lang="en-US" dirty="0">
-                <a:highlight>
-                  <a:srgbClr val="D9D9D9"/>
-                </a:highlight>
-                <a:latin typeface="Consolas" panose="020B0609020204030204" pitchFamily="49" charset="0"/>
-              </a:rPr>
-              <a:t>    - name: Install dependencies</a:t>
-            </a:r>
-          </a:p>
-          <a:p>
-            <a:pPr marL="914400" lvl="2" indent="0">
-              <a:buNone/>
-            </a:pPr>
-            <a:r>
-              <a:rPr lang="en-US" dirty="0">
-                <a:highlight>
-                  <a:srgbClr val="D9D9D9"/>
-                </a:highlight>
-                <a:latin typeface="Consolas" panose="020B0609020204030204" pitchFamily="49" charset="0"/>
-              </a:rPr>
-              <a:t>      run: dotnet restore ./</a:t>
-            </a:r>
-            <a:r>
-              <a:rPr lang="en-US" dirty="0" err="1">
-                <a:highlight>
-                  <a:srgbClr val="D9D9D9"/>
-                </a:highlight>
-                <a:latin typeface="Consolas" panose="020B0609020204030204" pitchFamily="49" charset="0"/>
-              </a:rPr>
-              <a:t>src</a:t>
-            </a:r>
-            <a:r>
-              <a:rPr lang="en-US" dirty="0">
-                <a:highlight>
-                  <a:srgbClr val="D9D9D9"/>
-                </a:highlight>
-                <a:latin typeface="Consolas" panose="020B0609020204030204" pitchFamily="49" charset="0"/>
-              </a:rPr>
-              <a:t>/GitHubActionsExample.sln</a:t>
-            </a:r>
-          </a:p>
-          <a:p>
-            <a:pPr marL="914400" lvl="2" indent="0">
-              <a:buNone/>
-            </a:pPr>
-            <a:r>
-              <a:rPr lang="en-US" dirty="0">
-                <a:highlight>
-                  <a:srgbClr val="D9D9D9"/>
-                </a:highlight>
-                <a:latin typeface="Consolas" panose="020B0609020204030204" pitchFamily="49" charset="0"/>
-              </a:rPr>
-              <a:t>    - name: Build</a:t>
-            </a:r>
-          </a:p>
-          <a:p>
-            <a:pPr marL="914400" lvl="2" indent="0">
-              <a:buNone/>
-            </a:pPr>
-            <a:r>
-              <a:rPr lang="en-US" dirty="0">
-                <a:highlight>
-                  <a:srgbClr val="D9D9D9"/>
-                </a:highlight>
-                <a:latin typeface="Consolas" panose="020B0609020204030204" pitchFamily="49" charset="0"/>
-              </a:rPr>
-              <a:t>      run: dotnet build --configuration Release --no-restore ./</a:t>
-            </a:r>
-            <a:r>
-              <a:rPr lang="en-US" dirty="0" err="1">
-                <a:highlight>
-                  <a:srgbClr val="D9D9D9"/>
-                </a:highlight>
-                <a:latin typeface="Consolas" panose="020B0609020204030204" pitchFamily="49" charset="0"/>
-              </a:rPr>
-              <a:t>src</a:t>
-            </a:r>
-            <a:r>
-              <a:rPr lang="en-US" dirty="0">
-                <a:highlight>
-                  <a:srgbClr val="D9D9D9"/>
-                </a:highlight>
-                <a:latin typeface="Consolas" panose="020B0609020204030204" pitchFamily="49" charset="0"/>
-              </a:rPr>
-              <a:t>/GitHubActionsExample.sln</a:t>
-            </a:r>
-          </a:p>
-          <a:p>
-            <a:pPr marL="914400" lvl="2" indent="0">
-              <a:buNone/>
-            </a:pPr>
-            <a:r>
-              <a:rPr lang="en-US" dirty="0">
-                <a:highlight>
-                  <a:srgbClr val="D9D9D9"/>
-                </a:highlight>
-                <a:latin typeface="Consolas" panose="020B0609020204030204" pitchFamily="49" charset="0"/>
-              </a:rPr>
-              <a:t>    - name: Test</a:t>
-            </a:r>
-          </a:p>
-          <a:p>
-            <a:pPr marL="914400" lvl="2" indent="0">
-              <a:buNone/>
-            </a:pPr>
-            <a:r>
-              <a:rPr lang="en-US" dirty="0">
-                <a:highlight>
-                  <a:srgbClr val="D9D9D9"/>
-                </a:highlight>
-                <a:latin typeface="Consolas" panose="020B0609020204030204" pitchFamily="49" charset="0"/>
-              </a:rPr>
-              <a:t>      run: dotnet test --no-restore --verbosity normal ./</a:t>
-            </a:r>
-            <a:r>
-              <a:rPr lang="en-US" dirty="0" err="1">
-                <a:highlight>
-                  <a:srgbClr val="D9D9D9"/>
-                </a:highlight>
-                <a:latin typeface="Consolas" panose="020B0609020204030204" pitchFamily="49" charset="0"/>
-              </a:rPr>
-              <a:t>src</a:t>
-            </a:r>
-            <a:r>
-              <a:rPr lang="en-US" dirty="0">
-                <a:highlight>
-                  <a:srgbClr val="D9D9D9"/>
-                </a:highlight>
-                <a:latin typeface="Consolas" panose="020B0609020204030204" pitchFamily="49" charset="0"/>
-              </a:rPr>
-              <a:t>/GitHubActionsExample.sln</a:t>
+              <a:t>    branches: [ master ]</a:t>
             </a:r>
           </a:p>
         </p:txBody>
@@ -7955,7 +7803,7 @@
     </p:spTree>
     <p:extLst>
       <p:ext uri="{BB962C8B-B14F-4D97-AF65-F5344CB8AC3E}">
-        <p14:creationId xmlns:p14="http://schemas.microsoft.com/office/powerpoint/2010/main" val="14275021"/>
+        <p14:creationId xmlns:p14="http://schemas.microsoft.com/office/powerpoint/2010/main" val="985777985"/>
       </p:ext>
     </p:extLst>
   </p:cSld>
@@ -8040,7 +7888,98 @@
           <a:p>
             <a:r>
               <a:rPr lang="en-US" dirty="0"/>
-              <a:t>Build!</a:t>
+              <a:t>In your workflow file:</a:t>
+            </a:r>
+          </a:p>
+          <a:p>
+            <a:pPr lvl="1"/>
+            <a:r>
+              <a:rPr lang="en-US" dirty="0"/>
+              <a:t>Create a jobs section and name the job</a:t>
+            </a:r>
+          </a:p>
+          <a:p>
+            <a:pPr marL="914400" lvl="2" indent="0">
+              <a:buNone/>
+            </a:pPr>
+            <a:r>
+              <a:rPr lang="en-US" sz="1400" dirty="0">
+                <a:highlight>
+                  <a:srgbClr val="D9D9D9"/>
+                </a:highlight>
+                <a:latin typeface="Consolas" panose="020B0609020204030204" pitchFamily="49" charset="0"/>
+              </a:rPr>
+              <a:t>name: Build and deploy an ASP.NET Core app to Azure Web Apps</a:t>
+            </a:r>
+          </a:p>
+          <a:p>
+            <a:pPr marL="914400" lvl="2" indent="0">
+              <a:buNone/>
+            </a:pPr>
+            <a:r>
+              <a:rPr lang="en-US" sz="1400" dirty="0">
+                <a:highlight>
+                  <a:srgbClr val="D9D9D9"/>
+                </a:highlight>
+                <a:latin typeface="Consolas" panose="020B0609020204030204" pitchFamily="49" charset="0"/>
+              </a:rPr>
+              <a:t>on:</a:t>
+            </a:r>
+          </a:p>
+          <a:p>
+            <a:pPr marL="914400" lvl="2" indent="0">
+              <a:buNone/>
+            </a:pPr>
+            <a:r>
+              <a:rPr lang="en-US" sz="1400" dirty="0">
+                <a:highlight>
+                  <a:srgbClr val="D9D9D9"/>
+                </a:highlight>
+                <a:latin typeface="Consolas" panose="020B0609020204030204" pitchFamily="49" charset="0"/>
+              </a:rPr>
+              <a:t>  push:</a:t>
+            </a:r>
+          </a:p>
+          <a:p>
+            <a:pPr marL="914400" lvl="2" indent="0">
+              <a:buNone/>
+            </a:pPr>
+            <a:r>
+              <a:rPr lang="en-US" sz="1400" dirty="0">
+                <a:highlight>
+                  <a:srgbClr val="D9D9D9"/>
+                </a:highlight>
+                <a:latin typeface="Consolas" panose="020B0609020204030204" pitchFamily="49" charset="0"/>
+              </a:rPr>
+              <a:t>    branches: [ master ]</a:t>
+            </a:r>
+          </a:p>
+          <a:p>
+            <a:pPr marL="914400" lvl="2" indent="0">
+              <a:buNone/>
+            </a:pPr>
+            <a:r>
+              <a:rPr lang="en-US" sz="1400" dirty="0">
+                <a:highlight>
+                  <a:srgbClr val="FFFF00"/>
+                </a:highlight>
+                <a:latin typeface="Consolas" panose="020B0609020204030204" pitchFamily="49" charset="0"/>
+              </a:rPr>
+              <a:t>jobs:</a:t>
+            </a:r>
+          </a:p>
+          <a:p>
+            <a:pPr marL="914400" lvl="2" indent="0">
+              <a:buNone/>
+            </a:pPr>
+            <a:r>
+              <a:rPr lang="en-US" sz="1400" dirty="0">
+                <a:highlight>
+                  <a:srgbClr val="FFFF00"/>
+                </a:highlight>
+                <a:latin typeface="Consolas" panose="020B0609020204030204" pitchFamily="49" charset="0"/>
+              </a:rPr>
+              <a:t>  build-and-deploy:</a:t>
             </a:r>
           </a:p>
         </p:txBody>
@@ -8048,7 +7987,7 @@
     </p:spTree>
     <p:extLst>
       <p:ext uri="{BB962C8B-B14F-4D97-AF65-F5344CB8AC3E}">
-        <p14:creationId xmlns:p14="http://schemas.microsoft.com/office/powerpoint/2010/main" val="2724573170"/>
+        <p14:creationId xmlns:p14="http://schemas.microsoft.com/office/powerpoint/2010/main" val="9901159"/>
       </p:ext>
     </p:extLst>
   </p:cSld>
@@ -8133,14 +8072,14 @@
           <a:p>
             <a:r>
               <a:rPr lang="en-US" dirty="0"/>
-              <a:t>In your workflow file, publish the project</a:t>
+              <a:t>In your workflow file:</a:t>
             </a:r>
           </a:p>
           <a:p>
             <a:pPr lvl="1"/>
             <a:r>
               <a:rPr lang="en-US" dirty="0"/>
-              <a:t>Create the steps to publish your project</a:t>
+              <a:t>Define what runner to use </a:t>
             </a:r>
           </a:p>
           <a:p>
@@ -8154,7 +8093,7 @@
                 </a:highlight>
                 <a:latin typeface="Consolas" panose="020B0609020204030204" pitchFamily="49" charset="0"/>
               </a:rPr>
-              <a:t>jobs:</a:t>
+              <a:t>name: Build and deploy an ASP.NET Core app to Azure Web Apps</a:t>
             </a:r>
           </a:p>
           <a:p>
@@ -8168,7 +8107,7 @@
                 </a:highlight>
                 <a:latin typeface="Consolas" panose="020B0609020204030204" pitchFamily="49" charset="0"/>
               </a:rPr>
-              <a:t>  build-and-deploy:</a:t>
+              <a:t>on:</a:t>
             </a:r>
           </a:p>
           <a:p>
@@ -8182,7 +8121,7 @@
                 </a:highlight>
                 <a:latin typeface="Consolas" panose="020B0609020204030204" pitchFamily="49" charset="0"/>
               </a:rPr>
-              <a:t>    runs-on: ubuntu-latest</a:t>
+              <a:t>  push:</a:t>
             </a:r>
           </a:p>
           <a:p>
@@ -8196,7 +8135,7 @@
                 </a:highlight>
                 <a:latin typeface="Consolas" panose="020B0609020204030204" pitchFamily="49" charset="0"/>
               </a:rPr>
-              <a:t>    steps:</a:t>
+              <a:t>    branches: [ master ]</a:t>
             </a:r>
           </a:p>
           <a:p>
@@ -8210,7 +8149,7 @@
                 </a:highlight>
                 <a:latin typeface="Consolas" panose="020B0609020204030204" pitchFamily="49" charset="0"/>
               </a:rPr>
-              <a:t>…</a:t>
+              <a:t>jobs:</a:t>
             </a:r>
           </a:p>
           <a:p>
@@ -8224,7 +8163,7 @@
                 </a:highlight>
                 <a:latin typeface="Consolas" panose="020B0609020204030204" pitchFamily="49" charset="0"/>
               </a:rPr>
-              <a:t>    - name: Publish</a:t>
+              <a:t>  build-and-deploy:</a:t>
             </a:r>
           </a:p>
           <a:p>
@@ -8234,55 +8173,22 @@
             <a:r>
               <a:rPr lang="en-US" sz="1400" dirty="0">
                 <a:highlight>
-                  <a:srgbClr val="D9D9D9"/>
+                  <a:srgbClr val="FFFF00"/>
                 </a:highlight>
                 <a:latin typeface="Consolas" panose="020B0609020204030204" pitchFamily="49" charset="0"/>
               </a:rPr>
-              <a:t>      run: dotnet publish -c Release -o './</a:t>
-            </a:r>
-            <a:r>
-              <a:rPr lang="en-US" sz="1400" dirty="0" err="1">
-                <a:highlight>
-                  <a:srgbClr val="D9D9D9"/>
-                </a:highlight>
-                <a:latin typeface="Consolas" panose="020B0609020204030204" pitchFamily="49" charset="0"/>
-              </a:rPr>
-              <a:t>myapp</a:t>
-            </a:r>
-            <a:r>
-              <a:rPr lang="en-US" sz="1400" dirty="0">
-                <a:highlight>
-                  <a:srgbClr val="D9D9D9"/>
-                </a:highlight>
-                <a:latin typeface="Consolas" panose="020B0609020204030204" pitchFamily="49" charset="0"/>
-              </a:rPr>
-              <a:t>' ./</a:t>
-            </a:r>
-            <a:r>
-              <a:rPr lang="en-US" sz="1400" dirty="0" err="1">
-                <a:highlight>
-                  <a:srgbClr val="D9D9D9"/>
-                </a:highlight>
-                <a:latin typeface="Consolas" panose="020B0609020204030204" pitchFamily="49" charset="0"/>
-              </a:rPr>
-              <a:t>src</a:t>
-            </a:r>
-            <a:r>
-              <a:rPr lang="en-US" sz="1400" dirty="0">
-                <a:highlight>
-                  <a:srgbClr val="D9D9D9"/>
-                </a:highlight>
-                <a:latin typeface="Consolas" panose="020B0609020204030204" pitchFamily="49" charset="0"/>
-              </a:rPr>
-              <a:t>/GitHubActionsExample.sln</a:t>
-            </a:r>
+              <a:t>    runs-on: ubuntu-latest</a:t>
+            </a:r>
+          </a:p>
+          <a:p>
+            <a:endParaRPr lang="en-US" dirty="0"/>
           </a:p>
         </p:txBody>
       </p:sp>
     </p:spTree>
     <p:extLst>
       <p:ext uri="{BB962C8B-B14F-4D97-AF65-F5344CB8AC3E}">
-        <p14:creationId xmlns:p14="http://schemas.microsoft.com/office/powerpoint/2010/main" val="2500487821"/>
+        <p14:creationId xmlns:p14="http://schemas.microsoft.com/office/powerpoint/2010/main" val="2762012284"/>
       </p:ext>
     </p:extLst>
   </p:cSld>
@@ -8361,20 +8267,505 @@
         <p:spPr/>
         <p:txBody>
           <a:bodyPr>
+            <a:normAutofit fontScale="70000" lnSpcReduction="20000"/>
+          </a:bodyPr>
+          <a:lstStyle/>
+          <a:p>
+            <a:r>
+              <a:rPr lang="en-US" sz="4000" dirty="0"/>
+              <a:t>In your workflow file:</a:t>
+            </a:r>
+          </a:p>
+          <a:p>
+            <a:pPr lvl="1"/>
+            <a:r>
+              <a:rPr lang="en-US" sz="3400" dirty="0"/>
+              <a:t>Create the steps to checkout and build/test your project</a:t>
+            </a:r>
+          </a:p>
+          <a:p>
+            <a:pPr marL="914400" lvl="2" indent="0">
+              <a:buNone/>
+            </a:pPr>
+            <a:r>
+              <a:rPr lang="en-US" dirty="0">
+                <a:highlight>
+                  <a:srgbClr val="D9D9D9"/>
+                </a:highlight>
+                <a:latin typeface="Consolas" panose="020B0609020204030204" pitchFamily="49" charset="0"/>
+              </a:rPr>
+              <a:t>…</a:t>
+            </a:r>
+          </a:p>
+          <a:p>
+            <a:pPr marL="914400" lvl="2" indent="0">
+              <a:buNone/>
+            </a:pPr>
+            <a:r>
+              <a:rPr lang="en-US" dirty="0">
+                <a:highlight>
+                  <a:srgbClr val="D9D9D9"/>
+                </a:highlight>
+                <a:latin typeface="Consolas" panose="020B0609020204030204" pitchFamily="49" charset="0"/>
+              </a:rPr>
+              <a:t>jobs:</a:t>
+            </a:r>
+          </a:p>
+          <a:p>
+            <a:pPr marL="914400" lvl="2" indent="0">
+              <a:buNone/>
+            </a:pPr>
+            <a:r>
+              <a:rPr lang="en-US" dirty="0">
+                <a:highlight>
+                  <a:srgbClr val="D9D9D9"/>
+                </a:highlight>
+                <a:latin typeface="Consolas" panose="020B0609020204030204" pitchFamily="49" charset="0"/>
+              </a:rPr>
+              <a:t>  build-and-deploy:</a:t>
+            </a:r>
+          </a:p>
+          <a:p>
+            <a:pPr marL="914400" lvl="2" indent="0">
+              <a:buNone/>
+            </a:pPr>
+            <a:r>
+              <a:rPr lang="en-US" dirty="0">
+                <a:highlight>
+                  <a:srgbClr val="D9D9D9"/>
+                </a:highlight>
+                <a:latin typeface="Consolas" panose="020B0609020204030204" pitchFamily="49" charset="0"/>
+              </a:rPr>
+              <a:t>    runs-on: ubuntu-latest</a:t>
+            </a:r>
+          </a:p>
+          <a:p>
+            <a:pPr marL="914400" lvl="2" indent="0">
+              <a:buNone/>
+            </a:pPr>
+            <a:r>
+              <a:rPr lang="en-US" dirty="0">
+                <a:highlight>
+                  <a:srgbClr val="FFFF00"/>
+                </a:highlight>
+                <a:latin typeface="Consolas" panose="020B0609020204030204" pitchFamily="49" charset="0"/>
+              </a:rPr>
+              <a:t>    steps:</a:t>
+            </a:r>
+          </a:p>
+          <a:p>
+            <a:pPr marL="914400" lvl="2" indent="0">
+              <a:buNone/>
+            </a:pPr>
+            <a:r>
+              <a:rPr lang="en-US" dirty="0">
+                <a:highlight>
+                  <a:srgbClr val="FFFF00"/>
+                </a:highlight>
+                <a:latin typeface="Consolas" panose="020B0609020204030204" pitchFamily="49" charset="0"/>
+              </a:rPr>
+              <a:t>    - name: Checkout code</a:t>
+            </a:r>
+          </a:p>
+          <a:p>
+            <a:pPr marL="914400" lvl="2" indent="0">
+              <a:buNone/>
+            </a:pPr>
+            <a:r>
+              <a:rPr lang="en-US" dirty="0">
+                <a:highlight>
+                  <a:srgbClr val="FFFF00"/>
+                </a:highlight>
+                <a:latin typeface="Consolas" panose="020B0609020204030204" pitchFamily="49" charset="0"/>
+              </a:rPr>
+              <a:t>      uses: actions/checkout@v2</a:t>
+            </a:r>
+          </a:p>
+          <a:p>
+            <a:pPr marL="914400" lvl="2" indent="0">
+              <a:buNone/>
+            </a:pPr>
+            <a:r>
+              <a:rPr lang="en-US" dirty="0">
+                <a:highlight>
+                  <a:srgbClr val="FFFF00"/>
+                </a:highlight>
+                <a:latin typeface="Consolas" panose="020B0609020204030204" pitchFamily="49" charset="0"/>
+              </a:rPr>
+              <a:t>    - name: Setup .NET Core</a:t>
+            </a:r>
+          </a:p>
+          <a:p>
+            <a:pPr marL="914400" lvl="2" indent="0">
+              <a:buNone/>
+            </a:pPr>
+            <a:r>
+              <a:rPr lang="en-US" dirty="0">
+                <a:highlight>
+                  <a:srgbClr val="FFFF00"/>
+                </a:highlight>
+                <a:latin typeface="Consolas" panose="020B0609020204030204" pitchFamily="49" charset="0"/>
+              </a:rPr>
+              <a:t>      uses: actions/setup-dotnet@v1</a:t>
+            </a:r>
+          </a:p>
+          <a:p>
+            <a:pPr marL="914400" lvl="2" indent="0">
+              <a:buNone/>
+            </a:pPr>
+            <a:r>
+              <a:rPr lang="en-US" dirty="0">
+                <a:highlight>
+                  <a:srgbClr val="FFFF00"/>
+                </a:highlight>
+                <a:latin typeface="Consolas" panose="020B0609020204030204" pitchFamily="49" charset="0"/>
+              </a:rPr>
+              <a:t>      with:</a:t>
+            </a:r>
+          </a:p>
+          <a:p>
+            <a:pPr marL="914400" lvl="2" indent="0">
+              <a:buNone/>
+            </a:pPr>
+            <a:r>
+              <a:rPr lang="en-US" dirty="0">
+                <a:highlight>
+                  <a:srgbClr val="FFFF00"/>
+                </a:highlight>
+                <a:latin typeface="Consolas" panose="020B0609020204030204" pitchFamily="49" charset="0"/>
+              </a:rPr>
+              <a:t>        dotnet-version: ‘3.1.x’</a:t>
+            </a:r>
+          </a:p>
+          <a:p>
+            <a:pPr marL="914400" lvl="2" indent="0">
+              <a:buNone/>
+            </a:pPr>
+            <a:r>
+              <a:rPr lang="en-US" dirty="0">
+                <a:highlight>
+                  <a:srgbClr val="FFFF00"/>
+                </a:highlight>
+                <a:latin typeface="Consolas" panose="020B0609020204030204" pitchFamily="49" charset="0"/>
+              </a:rPr>
+              <a:t>    - name: Install dependencies</a:t>
+            </a:r>
+          </a:p>
+          <a:p>
+            <a:pPr marL="914400" lvl="2" indent="0">
+              <a:buNone/>
+            </a:pPr>
+            <a:r>
+              <a:rPr lang="en-US" dirty="0">
+                <a:highlight>
+                  <a:srgbClr val="FFFF00"/>
+                </a:highlight>
+                <a:latin typeface="Consolas" panose="020B0609020204030204" pitchFamily="49" charset="0"/>
+              </a:rPr>
+              <a:t>      run: dotnet restore ./</a:t>
+            </a:r>
+            <a:r>
+              <a:rPr lang="en-US" dirty="0" err="1">
+                <a:highlight>
+                  <a:srgbClr val="FFFF00"/>
+                </a:highlight>
+                <a:latin typeface="Consolas" panose="020B0609020204030204" pitchFamily="49" charset="0"/>
+              </a:rPr>
+              <a:t>src</a:t>
+            </a:r>
+            <a:r>
+              <a:rPr lang="en-US" dirty="0">
+                <a:highlight>
+                  <a:srgbClr val="FFFF00"/>
+                </a:highlight>
+                <a:latin typeface="Consolas" panose="020B0609020204030204" pitchFamily="49" charset="0"/>
+              </a:rPr>
+              <a:t>/GitHubActionsExample.sln</a:t>
+            </a:r>
+          </a:p>
+          <a:p>
+            <a:pPr marL="914400" lvl="2" indent="0">
+              <a:buNone/>
+            </a:pPr>
+            <a:r>
+              <a:rPr lang="en-US" dirty="0">
+                <a:highlight>
+                  <a:srgbClr val="FFFF00"/>
+                </a:highlight>
+                <a:latin typeface="Consolas" panose="020B0609020204030204" pitchFamily="49" charset="0"/>
+              </a:rPr>
+              <a:t>    - name: Build</a:t>
+            </a:r>
+          </a:p>
+          <a:p>
+            <a:pPr marL="914400" lvl="2" indent="0">
+              <a:buNone/>
+            </a:pPr>
+            <a:r>
+              <a:rPr lang="en-US" dirty="0">
+                <a:highlight>
+                  <a:srgbClr val="FFFF00"/>
+                </a:highlight>
+                <a:latin typeface="Consolas" panose="020B0609020204030204" pitchFamily="49" charset="0"/>
+              </a:rPr>
+              <a:t>      run: dotnet build --configuration Release --no-restore ./</a:t>
+            </a:r>
+            <a:r>
+              <a:rPr lang="en-US" dirty="0" err="1">
+                <a:highlight>
+                  <a:srgbClr val="FFFF00"/>
+                </a:highlight>
+                <a:latin typeface="Consolas" panose="020B0609020204030204" pitchFamily="49" charset="0"/>
+              </a:rPr>
+              <a:t>src</a:t>
+            </a:r>
+            <a:r>
+              <a:rPr lang="en-US" dirty="0">
+                <a:highlight>
+                  <a:srgbClr val="FFFF00"/>
+                </a:highlight>
+                <a:latin typeface="Consolas" panose="020B0609020204030204" pitchFamily="49" charset="0"/>
+              </a:rPr>
+              <a:t>/GitHubActionsExample.sln</a:t>
+            </a:r>
+          </a:p>
+          <a:p>
+            <a:pPr marL="914400" lvl="2" indent="0">
+              <a:buNone/>
+            </a:pPr>
+            <a:r>
+              <a:rPr lang="en-US" dirty="0">
+                <a:highlight>
+                  <a:srgbClr val="FFFF00"/>
+                </a:highlight>
+                <a:latin typeface="Consolas" panose="020B0609020204030204" pitchFamily="49" charset="0"/>
+              </a:rPr>
+              <a:t>    - name: Test</a:t>
+            </a:r>
+          </a:p>
+          <a:p>
+            <a:pPr marL="914400" lvl="2" indent="0">
+              <a:buNone/>
+            </a:pPr>
+            <a:r>
+              <a:rPr lang="en-US" dirty="0">
+                <a:highlight>
+                  <a:srgbClr val="FFFF00"/>
+                </a:highlight>
+                <a:latin typeface="Consolas" panose="020B0609020204030204" pitchFamily="49" charset="0"/>
+              </a:rPr>
+              <a:t>      run: dotnet test --no-restore --verbosity normal ./</a:t>
+            </a:r>
+            <a:r>
+              <a:rPr lang="en-US" dirty="0" err="1">
+                <a:highlight>
+                  <a:srgbClr val="FFFF00"/>
+                </a:highlight>
+                <a:latin typeface="Consolas" panose="020B0609020204030204" pitchFamily="49" charset="0"/>
+              </a:rPr>
+              <a:t>src</a:t>
+            </a:r>
+            <a:r>
+              <a:rPr lang="en-US" dirty="0">
+                <a:highlight>
+                  <a:srgbClr val="FFFF00"/>
+                </a:highlight>
+                <a:latin typeface="Consolas" panose="020B0609020204030204" pitchFamily="49" charset="0"/>
+              </a:rPr>
+              <a:t>/GitHubActionsExample.sln</a:t>
+            </a:r>
+          </a:p>
+        </p:txBody>
+      </p:sp>
+    </p:spTree>
+    <p:extLst>
+      <p:ext uri="{BB962C8B-B14F-4D97-AF65-F5344CB8AC3E}">
+        <p14:creationId xmlns:p14="http://schemas.microsoft.com/office/powerpoint/2010/main" val="14275021"/>
+      </p:ext>
+    </p:extLst>
+  </p:cSld>
+  <p:clrMapOvr>
+    <a:masterClrMapping/>
+  </p:clrMapOvr>
+</p:sld>
+</file>
+
+<file path=ppt/slides/slide25.xml><?xml version="1.0" encoding="utf-8"?>
+<p:sld xmlns:a="http://schemas.openxmlformats.org/drawingml/2006/main" xmlns:r="http://schemas.openxmlformats.org/officeDocument/2006/relationships" xmlns:p="http://schemas.openxmlformats.org/presentationml/2006/main">
+  <p:cSld>
+    <p:spTree>
+      <p:nvGrpSpPr>
+        <p:cNvPr id="1" name=""/>
+        <p:cNvGrpSpPr/>
+        <p:nvPr/>
+      </p:nvGrpSpPr>
+      <p:grpSpPr>
+        <a:xfrm>
+          <a:off x="0" y="0"/>
+          <a:ext cx="0" cy="0"/>
+          <a:chOff x="0" y="0"/>
+          <a:chExt cx="0" cy="0"/>
+        </a:xfrm>
+      </p:grpSpPr>
+      <p:sp>
+        <p:nvSpPr>
+          <p:cNvPr id="2" name="Title 1">
+            <a:extLst>
+              <a:ext uri="{FF2B5EF4-FFF2-40B4-BE49-F238E27FC236}">
+                <a16:creationId xmlns:a16="http://schemas.microsoft.com/office/drawing/2014/main" id="{9D6E2161-D92B-42C0-AF4F-2B434AC18F21}"/>
+              </a:ext>
+            </a:extLst>
+          </p:cNvPr>
+          <p:cNvSpPr>
+            <a:spLocks noGrp="1"/>
+          </p:cNvSpPr>
+          <p:nvPr>
+            <p:ph type="title"/>
+          </p:nvPr>
+        </p:nvSpPr>
+        <p:spPr/>
+        <p:txBody>
+          <a:bodyPr>
             <a:normAutofit/>
           </a:bodyPr>
           <a:lstStyle/>
           <a:p>
             <a:r>
-              <a:rPr lang="en-US" dirty="0"/>
-              <a:t>In your workflow file, deploy the project to Azure Web Apps</a:t>
+              <a:rPr lang="en-US" b="1" dirty="0">
+                <a:latin typeface="Segoe UI" panose="020B0502040204020203" pitchFamily="34" charset="0"/>
+                <a:cs typeface="Segoe UI" panose="020B0502040204020203" pitchFamily="34" charset="0"/>
+              </a:rPr>
+              <a:t>Creating a CI/CD Pipeline</a:t>
+            </a:r>
+          </a:p>
+        </p:txBody>
+      </p:sp>
+      <p:sp>
+        <p:nvSpPr>
+          <p:cNvPr id="5" name="Content Placeholder 4">
+            <a:extLst>
+              <a:ext uri="{FF2B5EF4-FFF2-40B4-BE49-F238E27FC236}">
+                <a16:creationId xmlns:a16="http://schemas.microsoft.com/office/drawing/2014/main" id="{7C15718D-FA5D-48BA-86BA-E516A20F6B7F}"/>
+              </a:ext>
+            </a:extLst>
+          </p:cNvPr>
+          <p:cNvSpPr>
+            <a:spLocks noGrp="1"/>
+          </p:cNvSpPr>
+          <p:nvPr>
+            <p:ph sz="quarter" idx="10"/>
+          </p:nvPr>
+        </p:nvSpPr>
+        <p:spPr/>
+        <p:txBody>
+          <a:bodyPr>
+            <a:normAutofit/>
+          </a:bodyPr>
+          <a:lstStyle/>
+          <a:p>
+            <a:r>
+              <a:rPr lang="en-US" dirty="0"/>
+              <a:t>Build!</a:t>
+            </a:r>
+          </a:p>
+        </p:txBody>
+      </p:sp>
+    </p:spTree>
+    <p:extLst>
+      <p:ext uri="{BB962C8B-B14F-4D97-AF65-F5344CB8AC3E}">
+        <p14:creationId xmlns:p14="http://schemas.microsoft.com/office/powerpoint/2010/main" val="2724573170"/>
+      </p:ext>
+    </p:extLst>
+  </p:cSld>
+  <p:clrMapOvr>
+    <a:masterClrMapping/>
+  </p:clrMapOvr>
+</p:sld>
+</file>
+
+<file path=ppt/slides/slide26.xml><?xml version="1.0" encoding="utf-8"?>
+<p:sld xmlns:a="http://schemas.openxmlformats.org/drawingml/2006/main" xmlns:r="http://schemas.openxmlformats.org/officeDocument/2006/relationships" xmlns:p="http://schemas.openxmlformats.org/presentationml/2006/main">
+  <p:cSld>
+    <p:spTree>
+      <p:nvGrpSpPr>
+        <p:cNvPr id="1" name=""/>
+        <p:cNvGrpSpPr/>
+        <p:nvPr/>
+      </p:nvGrpSpPr>
+      <p:grpSpPr>
+        <a:xfrm>
+          <a:off x="0" y="0"/>
+          <a:ext cx="0" cy="0"/>
+          <a:chOff x="0" y="0"/>
+          <a:chExt cx="0" cy="0"/>
+        </a:xfrm>
+      </p:grpSpPr>
+      <p:sp>
+        <p:nvSpPr>
+          <p:cNvPr id="2" name="Title 1">
+            <a:extLst>
+              <a:ext uri="{FF2B5EF4-FFF2-40B4-BE49-F238E27FC236}">
+                <a16:creationId xmlns:a16="http://schemas.microsoft.com/office/drawing/2014/main" id="{9D6E2161-D92B-42C0-AF4F-2B434AC18F21}"/>
+              </a:ext>
+            </a:extLst>
+          </p:cNvPr>
+          <p:cNvSpPr>
+            <a:spLocks noGrp="1"/>
+          </p:cNvSpPr>
+          <p:nvPr>
+            <p:ph type="title"/>
+          </p:nvPr>
+        </p:nvSpPr>
+        <p:spPr/>
+        <p:txBody>
+          <a:bodyPr>
+            <a:normAutofit/>
+          </a:bodyPr>
+          <a:lstStyle/>
+          <a:p>
+            <a:r>
+              <a:rPr lang="en-US" b="1" dirty="0">
+                <a:latin typeface="Segoe UI" panose="020B0502040204020203" pitchFamily="34" charset="0"/>
+                <a:cs typeface="Segoe UI" panose="020B0502040204020203" pitchFamily="34" charset="0"/>
+              </a:rPr>
+              <a:t>Creating a CI/CD Pipeline</a:t>
+            </a:r>
+          </a:p>
+        </p:txBody>
+      </p:sp>
+      <p:sp>
+        <p:nvSpPr>
+          <p:cNvPr id="5" name="Content Placeholder 4">
+            <a:extLst>
+              <a:ext uri="{FF2B5EF4-FFF2-40B4-BE49-F238E27FC236}">
+                <a16:creationId xmlns:a16="http://schemas.microsoft.com/office/drawing/2014/main" id="{7C15718D-FA5D-48BA-86BA-E516A20F6B7F}"/>
+              </a:ext>
+            </a:extLst>
+          </p:cNvPr>
+          <p:cNvSpPr>
+            <a:spLocks noGrp="1"/>
+          </p:cNvSpPr>
+          <p:nvPr>
+            <p:ph sz="quarter" idx="10"/>
+          </p:nvPr>
+        </p:nvSpPr>
+        <p:spPr/>
+        <p:txBody>
+          <a:bodyPr>
+            <a:normAutofit/>
+          </a:bodyPr>
+          <a:lstStyle/>
+          <a:p>
+            <a:r>
+              <a:rPr lang="en-US" dirty="0"/>
+              <a:t>In your workflow file:</a:t>
             </a:r>
           </a:p>
           <a:p>
             <a:pPr lvl="1"/>
             <a:r>
               <a:rPr lang="en-US" dirty="0"/>
-              <a:t>Create the steps to deploy your project</a:t>
+              <a:t>Create the steps to publish your project</a:t>
             </a:r>
           </a:p>
           <a:p>
@@ -8454,11 +8845,161 @@
             <a:r>
               <a:rPr lang="en-US" sz="1400" dirty="0">
                 <a:highlight>
-                  <a:srgbClr val="D9D9D9"/>
+                  <a:srgbClr val="FFFF00"/>
                 </a:highlight>
                 <a:latin typeface="Consolas" panose="020B0609020204030204" pitchFamily="49" charset="0"/>
               </a:rPr>
               <a:t>    - name: Publish</a:t>
+            </a:r>
+          </a:p>
+          <a:p>
+            <a:pPr marL="914400" lvl="2" indent="0">
+              <a:buNone/>
+            </a:pPr>
+            <a:r>
+              <a:rPr lang="en-US" sz="1400" dirty="0">
+                <a:highlight>
+                  <a:srgbClr val="FFFF00"/>
+                </a:highlight>
+                <a:latin typeface="Consolas" panose="020B0609020204030204" pitchFamily="49" charset="0"/>
+              </a:rPr>
+              <a:t>      run: dotnet publish -c Release -o './</a:t>
+            </a:r>
+            <a:r>
+              <a:rPr lang="en-US" sz="1400" dirty="0" err="1">
+                <a:highlight>
+                  <a:srgbClr val="FFFF00"/>
+                </a:highlight>
+                <a:latin typeface="Consolas" panose="020B0609020204030204" pitchFamily="49" charset="0"/>
+              </a:rPr>
+              <a:t>myapp</a:t>
+            </a:r>
+            <a:r>
+              <a:rPr lang="en-US" sz="1400" dirty="0">
+                <a:highlight>
+                  <a:srgbClr val="FFFF00"/>
+                </a:highlight>
+                <a:latin typeface="Consolas" panose="020B0609020204030204" pitchFamily="49" charset="0"/>
+              </a:rPr>
+              <a:t>' ./</a:t>
+            </a:r>
+            <a:r>
+              <a:rPr lang="en-US" sz="1400" dirty="0" err="1">
+                <a:highlight>
+                  <a:srgbClr val="FFFF00"/>
+                </a:highlight>
+                <a:latin typeface="Consolas" panose="020B0609020204030204" pitchFamily="49" charset="0"/>
+              </a:rPr>
+              <a:t>src</a:t>
+            </a:r>
+            <a:r>
+              <a:rPr lang="en-US" sz="1400" dirty="0">
+                <a:highlight>
+                  <a:srgbClr val="FFFF00"/>
+                </a:highlight>
+                <a:latin typeface="Consolas" panose="020B0609020204030204" pitchFamily="49" charset="0"/>
+              </a:rPr>
+              <a:t>/GitHubActionsExample.sln</a:t>
+            </a:r>
+          </a:p>
+        </p:txBody>
+      </p:sp>
+    </p:spTree>
+    <p:extLst>
+      <p:ext uri="{BB962C8B-B14F-4D97-AF65-F5344CB8AC3E}">
+        <p14:creationId xmlns:p14="http://schemas.microsoft.com/office/powerpoint/2010/main" val="2500487821"/>
+      </p:ext>
+    </p:extLst>
+  </p:cSld>
+  <p:clrMapOvr>
+    <a:masterClrMapping/>
+  </p:clrMapOvr>
+</p:sld>
+</file>
+
+<file path=ppt/slides/slide27.xml><?xml version="1.0" encoding="utf-8"?>
+<p:sld xmlns:a="http://schemas.openxmlformats.org/drawingml/2006/main" xmlns:r="http://schemas.openxmlformats.org/officeDocument/2006/relationships" xmlns:p="http://schemas.openxmlformats.org/presentationml/2006/main">
+  <p:cSld>
+    <p:spTree>
+      <p:nvGrpSpPr>
+        <p:cNvPr id="1" name=""/>
+        <p:cNvGrpSpPr/>
+        <p:nvPr/>
+      </p:nvGrpSpPr>
+      <p:grpSpPr>
+        <a:xfrm>
+          <a:off x="0" y="0"/>
+          <a:ext cx="0" cy="0"/>
+          <a:chOff x="0" y="0"/>
+          <a:chExt cx="0" cy="0"/>
+        </a:xfrm>
+      </p:grpSpPr>
+      <p:sp>
+        <p:nvSpPr>
+          <p:cNvPr id="2" name="Title 1">
+            <a:extLst>
+              <a:ext uri="{FF2B5EF4-FFF2-40B4-BE49-F238E27FC236}">
+                <a16:creationId xmlns:a16="http://schemas.microsoft.com/office/drawing/2014/main" id="{9D6E2161-D92B-42C0-AF4F-2B434AC18F21}"/>
+              </a:ext>
+            </a:extLst>
+          </p:cNvPr>
+          <p:cNvSpPr>
+            <a:spLocks noGrp="1"/>
+          </p:cNvSpPr>
+          <p:nvPr>
+            <p:ph type="title"/>
+          </p:nvPr>
+        </p:nvSpPr>
+        <p:spPr/>
+        <p:txBody>
+          <a:bodyPr>
+            <a:normAutofit/>
+          </a:bodyPr>
+          <a:lstStyle/>
+          <a:p>
+            <a:r>
+              <a:rPr lang="en-US" b="1" dirty="0">
+                <a:latin typeface="Segoe UI" panose="020B0502040204020203" pitchFamily="34" charset="0"/>
+                <a:cs typeface="Segoe UI" panose="020B0502040204020203" pitchFamily="34" charset="0"/>
+              </a:rPr>
+              <a:t>Creating a CI/CD Pipeline</a:t>
+            </a:r>
+          </a:p>
+        </p:txBody>
+      </p:sp>
+      <p:sp>
+        <p:nvSpPr>
+          <p:cNvPr id="5" name="Content Placeholder 4">
+            <a:extLst>
+              <a:ext uri="{FF2B5EF4-FFF2-40B4-BE49-F238E27FC236}">
+                <a16:creationId xmlns:a16="http://schemas.microsoft.com/office/drawing/2014/main" id="{7C15718D-FA5D-48BA-86BA-E516A20F6B7F}"/>
+              </a:ext>
+            </a:extLst>
+          </p:cNvPr>
+          <p:cNvSpPr>
+            <a:spLocks noGrp="1"/>
+          </p:cNvSpPr>
+          <p:nvPr>
+            <p:ph sz="quarter" idx="10"/>
+          </p:nvPr>
+        </p:nvSpPr>
+        <p:spPr/>
+        <p:txBody>
+          <a:bodyPr>
+            <a:normAutofit/>
+          </a:bodyPr>
+          <a:lstStyle/>
+          <a:p>
+            <a:r>
+              <a:rPr lang="en-US" dirty="0"/>
+              <a:t>In your workflow file:</a:t>
+            </a:r>
+          </a:p>
+          <a:p>
+            <a:pPr lvl="1"/>
+            <a:r>
+              <a:rPr lang="en-US" dirty="0"/>
+              <a:t>Create the steps to deploy your project</a:t>
             </a:r>
           </a:p>
           <a:p>
@@ -8472,6 +9013,90 @@
                 </a:highlight>
                 <a:latin typeface="Consolas" panose="020B0609020204030204" pitchFamily="49" charset="0"/>
               </a:rPr>
+              <a:t>jobs:</a:t>
+            </a:r>
+          </a:p>
+          <a:p>
+            <a:pPr marL="914400" lvl="2" indent="0">
+              <a:buNone/>
+            </a:pPr>
+            <a:r>
+              <a:rPr lang="en-US" sz="1400" dirty="0">
+                <a:highlight>
+                  <a:srgbClr val="D9D9D9"/>
+                </a:highlight>
+                <a:latin typeface="Consolas" panose="020B0609020204030204" pitchFamily="49" charset="0"/>
+              </a:rPr>
+              <a:t>  build-and-deploy:</a:t>
+            </a:r>
+          </a:p>
+          <a:p>
+            <a:pPr marL="914400" lvl="2" indent="0">
+              <a:buNone/>
+            </a:pPr>
+            <a:r>
+              <a:rPr lang="en-US" sz="1400" dirty="0">
+                <a:highlight>
+                  <a:srgbClr val="D9D9D9"/>
+                </a:highlight>
+                <a:latin typeface="Consolas" panose="020B0609020204030204" pitchFamily="49" charset="0"/>
+              </a:rPr>
+              <a:t>    runs-on: ubuntu-latest</a:t>
+            </a:r>
+          </a:p>
+          <a:p>
+            <a:pPr marL="914400" lvl="2" indent="0">
+              <a:buNone/>
+            </a:pPr>
+            <a:r>
+              <a:rPr lang="en-US" sz="1400" dirty="0">
+                <a:highlight>
+                  <a:srgbClr val="D9D9D9"/>
+                </a:highlight>
+                <a:latin typeface="Consolas" panose="020B0609020204030204" pitchFamily="49" charset="0"/>
+              </a:rPr>
+              <a:t>    steps:</a:t>
+            </a:r>
+          </a:p>
+          <a:p>
+            <a:pPr marL="914400" lvl="2" indent="0">
+              <a:buNone/>
+            </a:pPr>
+            <a:r>
+              <a:rPr lang="en-US" sz="1400" dirty="0">
+                <a:highlight>
+                  <a:srgbClr val="D9D9D9"/>
+                </a:highlight>
+                <a:latin typeface="Consolas" panose="020B0609020204030204" pitchFamily="49" charset="0"/>
+              </a:rPr>
+              <a:t>…</a:t>
+            </a:r>
+          </a:p>
+          <a:p>
+            <a:pPr marL="914400" lvl="2" indent="0">
+              <a:buNone/>
+            </a:pPr>
+            <a:r>
+              <a:rPr lang="en-US" sz="1400" dirty="0">
+                <a:highlight>
+                  <a:srgbClr val="D9D9D9"/>
+                </a:highlight>
+                <a:latin typeface="Consolas" panose="020B0609020204030204" pitchFamily="49" charset="0"/>
+              </a:rPr>
+              <a:t>    - name: Publish</a:t>
+            </a:r>
+          </a:p>
+          <a:p>
+            <a:pPr marL="914400" lvl="2" indent="0">
+              <a:buNone/>
+            </a:pPr>
+            <a:r>
+              <a:rPr lang="en-US" sz="1400" dirty="0">
+                <a:highlight>
+                  <a:srgbClr val="D9D9D9"/>
+                </a:highlight>
+                <a:latin typeface="Consolas" panose="020B0609020204030204" pitchFamily="49" charset="0"/>
+              </a:rPr>
               <a:t>      run: dotnet publish -c Release -o './</a:t>
             </a:r>
             <a:r>
@@ -8518,7 +9143,7 @@
             <a:r>
               <a:rPr lang="en-US" sz="1400" dirty="0">
                 <a:highlight>
-                  <a:srgbClr val="D9D9D9"/>
+                  <a:srgbClr val="FFFF00"/>
                 </a:highlight>
                 <a:latin typeface="Consolas" panose="020B0609020204030204" pitchFamily="49" charset="0"/>
               </a:rPr>
@@ -8532,7 +9157,7 @@
             <a:r>
               <a:rPr lang="en-US" sz="1400" dirty="0">
                 <a:highlight>
-                  <a:srgbClr val="D9D9D9"/>
+                  <a:srgbClr val="FFFF00"/>
                 </a:highlight>
                 <a:latin typeface="Consolas" panose="020B0609020204030204" pitchFamily="49" charset="0"/>
               </a:rPr>
@@ -8546,7 +9171,7 @@
             <a:r>
               <a:rPr lang="en-US" sz="1400" dirty="0">
                 <a:highlight>
-                  <a:srgbClr val="D9D9D9"/>
+                  <a:srgbClr val="FFFF00"/>
                 </a:highlight>
                 <a:latin typeface="Consolas" panose="020B0609020204030204" pitchFamily="49" charset="0"/>
               </a:rPr>
@@ -8560,7 +9185,7 @@
             <a:r>
               <a:rPr lang="en-US" sz="1400" dirty="0">
                 <a:highlight>
-                  <a:srgbClr val="D9D9D9"/>
+                  <a:srgbClr val="FFFF00"/>
                 </a:highlight>
                 <a:latin typeface="Consolas" panose="020B0609020204030204" pitchFamily="49" charset="0"/>
               </a:rPr>
@@ -8569,7 +9194,7 @@
             <a:r>
               <a:rPr lang="en-US" sz="1400" dirty="0" err="1">
                 <a:highlight>
-                  <a:srgbClr val="D9D9D9"/>
+                  <a:srgbClr val="FFFF00"/>
                 </a:highlight>
                 <a:latin typeface="Consolas" panose="020B0609020204030204" pitchFamily="49" charset="0"/>
               </a:rPr>
@@ -8578,7 +9203,7 @@
             <a:r>
               <a:rPr lang="en-US" sz="1400" dirty="0">
                 <a:highlight>
-                  <a:srgbClr val="D9D9D9"/>
+                  <a:srgbClr val="FFFF00"/>
                 </a:highlight>
                 <a:latin typeface="Consolas" panose="020B0609020204030204" pitchFamily="49" charset="0"/>
               </a:rPr>
@@ -8592,7 +9217,7 @@
             <a:r>
               <a:rPr lang="en-US" sz="1400" dirty="0">
                 <a:highlight>
-                  <a:srgbClr val="D9D9D9"/>
+                  <a:srgbClr val="FFFF00"/>
                 </a:highlight>
                 <a:latin typeface="Consolas" panose="020B0609020204030204" pitchFamily="49" charset="0"/>
               </a:rPr>
@@ -8601,7 +9226,7 @@
             <a:r>
               <a:rPr lang="en-US" sz="1400" dirty="0" err="1">
                 <a:highlight>
-                  <a:srgbClr val="D9D9D9"/>
+                  <a:srgbClr val="FFFF00"/>
                 </a:highlight>
                 <a:latin typeface="Consolas" panose="020B0609020204030204" pitchFamily="49" charset="0"/>
               </a:rPr>
@@ -8610,7 +9235,7 @@
             <a:r>
               <a:rPr lang="en-US" sz="1400" dirty="0">
                 <a:highlight>
-                  <a:srgbClr val="D9D9D9"/>
+                  <a:srgbClr val="FFFF00"/>
                 </a:highlight>
                 <a:latin typeface="Consolas" panose="020B0609020204030204" pitchFamily="49" charset="0"/>
               </a:rPr>
@@ -8624,7 +9249,7 @@
             <a:r>
               <a:rPr lang="en-US" sz="1400" dirty="0">
                 <a:highlight>
-                  <a:srgbClr val="D9D9D9"/>
+                  <a:srgbClr val="FFFF00"/>
                 </a:highlight>
                 <a:latin typeface="Consolas" panose="020B0609020204030204" pitchFamily="49" charset="0"/>
               </a:rPr>
@@ -8633,7 +9258,7 @@
             <a:r>
               <a:rPr lang="en-US" sz="1400" dirty="0" err="1">
                 <a:highlight>
-                  <a:srgbClr val="D9D9D9"/>
+                  <a:srgbClr val="FFFF00"/>
                 </a:highlight>
                 <a:latin typeface="Consolas" panose="020B0609020204030204" pitchFamily="49" charset="0"/>
               </a:rPr>
@@ -8642,7 +9267,7 @@
             <a:r>
               <a:rPr lang="en-US" sz="1400" dirty="0">
                 <a:highlight>
-                  <a:srgbClr val="D9D9D9"/>
+                  <a:srgbClr val="FFFF00"/>
                 </a:highlight>
                 <a:latin typeface="Consolas" panose="020B0609020204030204" pitchFamily="49" charset="0"/>
               </a:rPr>
@@ -8664,7 +9289,7 @@
 </p:sld>
 </file>
 
-<file path=ppt/slides/slide25.xml><?xml version="1.0" encoding="utf-8"?>
+<file path=ppt/slides/slide28.xml><?xml version="1.0" encoding="utf-8"?>
 <p:sld xmlns:a="http://schemas.openxmlformats.org/drawingml/2006/main" xmlns:r="http://schemas.openxmlformats.org/officeDocument/2006/relationships" xmlns:p="http://schemas.openxmlformats.org/presentationml/2006/main">
   <p:cSld>
     <p:spTree>
@@ -8787,303 +9412,6 @@
 </p:sld>
 </file>
 
-<file path=ppt/slides/slide26.xml><?xml version="1.0" encoding="utf-8"?>
-<p:sld xmlns:a="http://schemas.openxmlformats.org/drawingml/2006/main" xmlns:r="http://schemas.openxmlformats.org/officeDocument/2006/relationships" xmlns:p="http://schemas.openxmlformats.org/presentationml/2006/main">
-  <p:cSld>
-    <p:spTree>
-      <p:nvGrpSpPr>
-        <p:cNvPr id="1" name=""/>
-        <p:cNvGrpSpPr/>
-        <p:nvPr/>
-      </p:nvGrpSpPr>
-      <p:grpSpPr>
-        <a:xfrm>
-          <a:off x="0" y="0"/>
-          <a:ext cx="0" cy="0"/>
-          <a:chOff x="0" y="0"/>
-          <a:chExt cx="0" cy="0"/>
-        </a:xfrm>
-      </p:grpSpPr>
-      <p:sp>
-        <p:nvSpPr>
-          <p:cNvPr id="2" name="Title 1">
-            <a:extLst>
-              <a:ext uri="{FF2B5EF4-FFF2-40B4-BE49-F238E27FC236}">
-                <a16:creationId xmlns:a16="http://schemas.microsoft.com/office/drawing/2014/main" id="{9D6E2161-D92B-42C0-AF4F-2B434AC18F21}"/>
-              </a:ext>
-            </a:extLst>
-          </p:cNvPr>
-          <p:cNvSpPr>
-            <a:spLocks noGrp="1"/>
-          </p:cNvSpPr>
-          <p:nvPr>
-            <p:ph type="title"/>
-          </p:nvPr>
-        </p:nvSpPr>
-        <p:spPr/>
-        <p:txBody>
-          <a:bodyPr>
-            <a:normAutofit/>
-          </a:bodyPr>
-          <a:lstStyle/>
-          <a:p>
-            <a:r>
-              <a:rPr lang="en-US" b="1" dirty="0">
-                <a:latin typeface="Segoe UI" panose="020B0502040204020203" pitchFamily="34" charset="0"/>
-                <a:cs typeface="Segoe UI" panose="020B0502040204020203" pitchFamily="34" charset="0"/>
-              </a:rPr>
-              <a:t>Creating CI/CD Pipeline</a:t>
-            </a:r>
-          </a:p>
-        </p:txBody>
-      </p:sp>
-      <p:sp>
-        <p:nvSpPr>
-          <p:cNvPr id="5" name="Content Placeholder 4">
-            <a:extLst>
-              <a:ext uri="{FF2B5EF4-FFF2-40B4-BE49-F238E27FC236}">
-                <a16:creationId xmlns:a16="http://schemas.microsoft.com/office/drawing/2014/main" id="{7C15718D-FA5D-48BA-86BA-E516A20F6B7F}"/>
-              </a:ext>
-            </a:extLst>
-          </p:cNvPr>
-          <p:cNvSpPr>
-            <a:spLocks noGrp="1"/>
-          </p:cNvSpPr>
-          <p:nvPr>
-            <p:ph sz="quarter" idx="10"/>
-          </p:nvPr>
-        </p:nvSpPr>
-        <p:spPr/>
-        <p:txBody>
-          <a:bodyPr>
-            <a:normAutofit/>
-          </a:bodyPr>
-          <a:lstStyle/>
-          <a:p>
-            <a:r>
-              <a:rPr lang="en-US" dirty="0"/>
-              <a:t>Deploy!</a:t>
-            </a:r>
-          </a:p>
-        </p:txBody>
-      </p:sp>
-    </p:spTree>
-    <p:extLst>
-      <p:ext uri="{BB962C8B-B14F-4D97-AF65-F5344CB8AC3E}">
-        <p14:creationId xmlns:p14="http://schemas.microsoft.com/office/powerpoint/2010/main" val="2310315746"/>
-      </p:ext>
-    </p:extLst>
-  </p:cSld>
-  <p:clrMapOvr>
-    <a:masterClrMapping/>
-  </p:clrMapOvr>
-</p:sld>
-</file>
-
-<file path=ppt/slides/slide27.xml><?xml version="1.0" encoding="utf-8"?>
-<p:sld xmlns:a="http://schemas.openxmlformats.org/drawingml/2006/main" xmlns:r="http://schemas.openxmlformats.org/officeDocument/2006/relationships" xmlns:p="http://schemas.openxmlformats.org/presentationml/2006/main">
-  <p:cSld>
-    <p:spTree>
-      <p:nvGrpSpPr>
-        <p:cNvPr id="1" name=""/>
-        <p:cNvGrpSpPr/>
-        <p:nvPr/>
-      </p:nvGrpSpPr>
-      <p:grpSpPr>
-        <a:xfrm>
-          <a:off x="0" y="0"/>
-          <a:ext cx="0" cy="0"/>
-          <a:chOff x="0" y="0"/>
-          <a:chExt cx="0" cy="0"/>
-        </a:xfrm>
-      </p:grpSpPr>
-      <p:sp>
-        <p:nvSpPr>
-          <p:cNvPr id="2" name="Title 1">
-            <a:extLst>
-              <a:ext uri="{FF2B5EF4-FFF2-40B4-BE49-F238E27FC236}">
-                <a16:creationId xmlns:a16="http://schemas.microsoft.com/office/drawing/2014/main" id="{9D6E2161-D92B-42C0-AF4F-2B434AC18F21}"/>
-              </a:ext>
-            </a:extLst>
-          </p:cNvPr>
-          <p:cNvSpPr>
-            <a:spLocks noGrp="1"/>
-          </p:cNvSpPr>
-          <p:nvPr>
-            <p:ph type="title"/>
-          </p:nvPr>
-        </p:nvSpPr>
-        <p:spPr/>
-        <p:txBody>
-          <a:bodyPr>
-            <a:normAutofit/>
-          </a:bodyPr>
-          <a:lstStyle/>
-          <a:p>
-            <a:r>
-              <a:rPr lang="en-US" dirty="0"/>
-              <a:t>Going Beyond a Simple Workflow</a:t>
-            </a:r>
-          </a:p>
-        </p:txBody>
-      </p:sp>
-      <p:sp>
-        <p:nvSpPr>
-          <p:cNvPr id="5" name="Content Placeholder 4">
-            <a:extLst>
-              <a:ext uri="{FF2B5EF4-FFF2-40B4-BE49-F238E27FC236}">
-                <a16:creationId xmlns:a16="http://schemas.microsoft.com/office/drawing/2014/main" id="{7C15718D-FA5D-48BA-86BA-E516A20F6B7F}"/>
-              </a:ext>
-            </a:extLst>
-          </p:cNvPr>
-          <p:cNvSpPr>
-            <a:spLocks noGrp="1"/>
-          </p:cNvSpPr>
-          <p:nvPr>
-            <p:ph sz="quarter" idx="10"/>
-          </p:nvPr>
-        </p:nvSpPr>
-        <p:spPr/>
-        <p:txBody>
-          <a:bodyPr>
-            <a:normAutofit/>
-          </a:bodyPr>
-          <a:lstStyle/>
-          <a:p>
-            <a:r>
-              <a:rPr lang="en-US" dirty="0"/>
-              <a:t>Utilize environment variables for configurable workflows</a:t>
-            </a:r>
-          </a:p>
-          <a:p>
-            <a:r>
-              <a:rPr lang="en-US" dirty="0"/>
-              <a:t>Use build matrixes to test across multiple systems/platforms/languages</a:t>
-            </a:r>
-          </a:p>
-          <a:p>
-            <a:r>
-              <a:rPr lang="en-US" dirty="0"/>
-              <a:t>Create complex workflows that utilize existing workflows and jobs</a:t>
-            </a:r>
-          </a:p>
-        </p:txBody>
-      </p:sp>
-    </p:spTree>
-    <p:extLst>
-      <p:ext uri="{BB962C8B-B14F-4D97-AF65-F5344CB8AC3E}">
-        <p14:creationId xmlns:p14="http://schemas.microsoft.com/office/powerpoint/2010/main" val="1077899468"/>
-      </p:ext>
-    </p:extLst>
-  </p:cSld>
-  <p:clrMapOvr>
-    <a:masterClrMapping/>
-  </p:clrMapOvr>
-</p:sld>
-</file>
-
-<file path=ppt/slides/slide28.xml><?xml version="1.0" encoding="utf-8"?>
-<p:sld xmlns:a="http://schemas.openxmlformats.org/drawingml/2006/main" xmlns:r="http://schemas.openxmlformats.org/officeDocument/2006/relationships" xmlns:p="http://schemas.openxmlformats.org/presentationml/2006/main">
-  <p:cSld>
-    <p:spTree>
-      <p:nvGrpSpPr>
-        <p:cNvPr id="1" name=""/>
-        <p:cNvGrpSpPr/>
-        <p:nvPr/>
-      </p:nvGrpSpPr>
-      <p:grpSpPr>
-        <a:xfrm>
-          <a:off x="0" y="0"/>
-          <a:ext cx="0" cy="0"/>
-          <a:chOff x="0" y="0"/>
-          <a:chExt cx="0" cy="0"/>
-        </a:xfrm>
-      </p:grpSpPr>
-      <p:sp>
-        <p:nvSpPr>
-          <p:cNvPr id="2" name="Title 1">
-            <a:extLst>
-              <a:ext uri="{FF2B5EF4-FFF2-40B4-BE49-F238E27FC236}">
-                <a16:creationId xmlns:a16="http://schemas.microsoft.com/office/drawing/2014/main" id="{9D6E2161-D92B-42C0-AF4F-2B434AC18F21}"/>
-              </a:ext>
-            </a:extLst>
-          </p:cNvPr>
-          <p:cNvSpPr>
-            <a:spLocks noGrp="1"/>
-          </p:cNvSpPr>
-          <p:nvPr>
-            <p:ph type="title"/>
-          </p:nvPr>
-        </p:nvSpPr>
-        <p:spPr/>
-        <p:txBody>
-          <a:bodyPr>
-            <a:normAutofit/>
-          </a:bodyPr>
-          <a:lstStyle/>
-          <a:p>
-            <a:r>
-              <a:rPr lang="en-US" dirty="0"/>
-              <a:t>Going Beyond a Simple Workflow</a:t>
-            </a:r>
-          </a:p>
-        </p:txBody>
-      </p:sp>
-      <p:sp>
-        <p:nvSpPr>
-          <p:cNvPr id="5" name="Content Placeholder 4">
-            <a:extLst>
-              <a:ext uri="{FF2B5EF4-FFF2-40B4-BE49-F238E27FC236}">
-                <a16:creationId xmlns:a16="http://schemas.microsoft.com/office/drawing/2014/main" id="{7C15718D-FA5D-48BA-86BA-E516A20F6B7F}"/>
-              </a:ext>
-            </a:extLst>
-          </p:cNvPr>
-          <p:cNvSpPr>
-            <a:spLocks noGrp="1"/>
-          </p:cNvSpPr>
-          <p:nvPr>
-            <p:ph sz="quarter" idx="10"/>
-          </p:nvPr>
-        </p:nvSpPr>
-        <p:spPr/>
-        <p:txBody>
-          <a:bodyPr>
-            <a:normAutofit/>
-          </a:bodyPr>
-          <a:lstStyle/>
-          <a:p>
-            <a:r>
-              <a:rPr lang="en-US" dirty="0"/>
-              <a:t>Create workflow templates</a:t>
-            </a:r>
-          </a:p>
-          <a:p>
-            <a:r>
-              <a:rPr lang="en-US" dirty="0"/>
-              <a:t>Cache dependencies and store artifacts to make your workflow run more efficient</a:t>
-            </a:r>
-          </a:p>
-          <a:p>
-            <a:r>
-              <a:rPr lang="en-US" dirty="0"/>
-              <a:t>Host your own runners</a:t>
-            </a:r>
-          </a:p>
-        </p:txBody>
-      </p:sp>
-    </p:spTree>
-    <p:extLst>
-      <p:ext uri="{BB962C8B-B14F-4D97-AF65-F5344CB8AC3E}">
-        <p14:creationId xmlns:p14="http://schemas.microsoft.com/office/powerpoint/2010/main" val="4202675947"/>
-      </p:ext>
-    </p:extLst>
-  </p:cSld>
-  <p:clrMapOvr>
-    <a:masterClrMapping/>
-  </p:clrMapOvr>
-</p:sld>
-</file>
-
 <file path=ppt/slides/slide29.xml><?xml version="1.0" encoding="utf-8"?>
 <p:sld xmlns:a="http://schemas.openxmlformats.org/drawingml/2006/main" xmlns:r="http://schemas.openxmlformats.org/officeDocument/2006/relationships" xmlns:p="http://schemas.openxmlformats.org/presentationml/2006/main">
   <p:cSld>
@@ -9125,8 +9453,11 @@
           <a:lstStyle/>
           <a:p>
             <a:r>
-              <a:rPr lang="en-US" dirty="0"/>
-              <a:t>Going Beyond a Simple Workflow</a:t>
+              <a:rPr lang="en-US" b="1" dirty="0">
+                <a:latin typeface="Segoe UI" panose="020B0502040204020203" pitchFamily="34" charset="0"/>
+                <a:cs typeface="Segoe UI" panose="020B0502040204020203" pitchFamily="34" charset="0"/>
+              </a:rPr>
+              <a:t>Creating CI/CD Pipeline</a:t>
             </a:r>
           </a:p>
         </p:txBody>
@@ -9156,28 +9487,7 @@
           <a:p>
             <a:r>
               <a:rPr lang="en-US" dirty="0"/>
-              <a:t>Build your own Actions</a:t>
-            </a:r>
-          </a:p>
-          <a:p>
-            <a:pPr lvl="1"/>
-            <a:r>
-              <a:rPr lang="en-US" dirty="0"/>
-              <a:t>Currently supports Docker and JavaScript</a:t>
-            </a:r>
-          </a:p>
-          <a:p>
-            <a:pPr lvl="1"/>
-            <a:r>
-              <a:rPr lang="en-US" dirty="0"/>
-              <a:t>Docker containers run on Linux</a:t>
-            </a:r>
-          </a:p>
-          <a:p>
-            <a:pPr lvl="1"/>
-            <a:r>
-              <a:rPr lang="en-US" dirty="0"/>
-              <a:t>JavaScript can run on Linux, macOS, and Windows</a:t>
+              <a:t>Deploy!</a:t>
             </a:r>
           </a:p>
         </p:txBody>
@@ -9185,7 +9495,7 @@
     </p:spTree>
     <p:extLst>
       <p:ext uri="{BB962C8B-B14F-4D97-AF65-F5344CB8AC3E}">
-        <p14:creationId xmlns:p14="http://schemas.microsoft.com/office/powerpoint/2010/main" val="3676870194"/>
+        <p14:creationId xmlns:p14="http://schemas.microsoft.com/office/powerpoint/2010/main" val="2310315746"/>
       </p:ext>
     </p:extLst>
   </p:cSld>
@@ -9353,6 +9663,321 @@
           <a:lstStyle/>
           <a:p>
             <a:r>
+              <a:rPr lang="en-US" dirty="0"/>
+              <a:t>Going Beyond a Simple Workflow</a:t>
+            </a:r>
+          </a:p>
+        </p:txBody>
+      </p:sp>
+      <p:sp>
+        <p:nvSpPr>
+          <p:cNvPr id="5" name="Content Placeholder 4">
+            <a:extLst>
+              <a:ext uri="{FF2B5EF4-FFF2-40B4-BE49-F238E27FC236}">
+                <a16:creationId xmlns:a16="http://schemas.microsoft.com/office/drawing/2014/main" id="{7C15718D-FA5D-48BA-86BA-E516A20F6B7F}"/>
+              </a:ext>
+            </a:extLst>
+          </p:cNvPr>
+          <p:cNvSpPr>
+            <a:spLocks noGrp="1"/>
+          </p:cNvSpPr>
+          <p:nvPr>
+            <p:ph sz="quarter" idx="10"/>
+          </p:nvPr>
+        </p:nvSpPr>
+        <p:spPr/>
+        <p:txBody>
+          <a:bodyPr>
+            <a:normAutofit/>
+          </a:bodyPr>
+          <a:lstStyle/>
+          <a:p>
+            <a:r>
+              <a:rPr lang="en-US" dirty="0"/>
+              <a:t>Utilize environment variables for configurable workflows</a:t>
+            </a:r>
+          </a:p>
+          <a:p>
+            <a:r>
+              <a:rPr lang="en-US" dirty="0"/>
+              <a:t>Use build matrixes to test across multiple systems/platforms/languages</a:t>
+            </a:r>
+          </a:p>
+          <a:p>
+            <a:r>
+              <a:rPr lang="en-US" dirty="0"/>
+              <a:t>Create complex workflows that utilize existing workflows and jobs</a:t>
+            </a:r>
+          </a:p>
+        </p:txBody>
+      </p:sp>
+    </p:spTree>
+    <p:extLst>
+      <p:ext uri="{BB962C8B-B14F-4D97-AF65-F5344CB8AC3E}">
+        <p14:creationId xmlns:p14="http://schemas.microsoft.com/office/powerpoint/2010/main" val="1077899468"/>
+      </p:ext>
+    </p:extLst>
+  </p:cSld>
+  <p:clrMapOvr>
+    <a:masterClrMapping/>
+  </p:clrMapOvr>
+</p:sld>
+</file>
+
+<file path=ppt/slides/slide31.xml><?xml version="1.0" encoding="utf-8"?>
+<p:sld xmlns:a="http://schemas.openxmlformats.org/drawingml/2006/main" xmlns:r="http://schemas.openxmlformats.org/officeDocument/2006/relationships" xmlns:p="http://schemas.openxmlformats.org/presentationml/2006/main">
+  <p:cSld>
+    <p:spTree>
+      <p:nvGrpSpPr>
+        <p:cNvPr id="1" name=""/>
+        <p:cNvGrpSpPr/>
+        <p:nvPr/>
+      </p:nvGrpSpPr>
+      <p:grpSpPr>
+        <a:xfrm>
+          <a:off x="0" y="0"/>
+          <a:ext cx="0" cy="0"/>
+          <a:chOff x="0" y="0"/>
+          <a:chExt cx="0" cy="0"/>
+        </a:xfrm>
+      </p:grpSpPr>
+      <p:sp>
+        <p:nvSpPr>
+          <p:cNvPr id="2" name="Title 1">
+            <a:extLst>
+              <a:ext uri="{FF2B5EF4-FFF2-40B4-BE49-F238E27FC236}">
+                <a16:creationId xmlns:a16="http://schemas.microsoft.com/office/drawing/2014/main" id="{9D6E2161-D92B-42C0-AF4F-2B434AC18F21}"/>
+              </a:ext>
+            </a:extLst>
+          </p:cNvPr>
+          <p:cNvSpPr>
+            <a:spLocks noGrp="1"/>
+          </p:cNvSpPr>
+          <p:nvPr>
+            <p:ph type="title"/>
+          </p:nvPr>
+        </p:nvSpPr>
+        <p:spPr/>
+        <p:txBody>
+          <a:bodyPr>
+            <a:normAutofit/>
+          </a:bodyPr>
+          <a:lstStyle/>
+          <a:p>
+            <a:r>
+              <a:rPr lang="en-US" dirty="0"/>
+              <a:t>Going Beyond a Simple Workflow</a:t>
+            </a:r>
+          </a:p>
+        </p:txBody>
+      </p:sp>
+      <p:sp>
+        <p:nvSpPr>
+          <p:cNvPr id="5" name="Content Placeholder 4">
+            <a:extLst>
+              <a:ext uri="{FF2B5EF4-FFF2-40B4-BE49-F238E27FC236}">
+                <a16:creationId xmlns:a16="http://schemas.microsoft.com/office/drawing/2014/main" id="{7C15718D-FA5D-48BA-86BA-E516A20F6B7F}"/>
+              </a:ext>
+            </a:extLst>
+          </p:cNvPr>
+          <p:cNvSpPr>
+            <a:spLocks noGrp="1"/>
+          </p:cNvSpPr>
+          <p:nvPr>
+            <p:ph sz="quarter" idx="10"/>
+          </p:nvPr>
+        </p:nvSpPr>
+        <p:spPr/>
+        <p:txBody>
+          <a:bodyPr>
+            <a:normAutofit/>
+          </a:bodyPr>
+          <a:lstStyle/>
+          <a:p>
+            <a:r>
+              <a:rPr lang="en-US" dirty="0"/>
+              <a:t>Create workflow templates</a:t>
+            </a:r>
+          </a:p>
+          <a:p>
+            <a:r>
+              <a:rPr lang="en-US" dirty="0"/>
+              <a:t>Cache dependencies and store artifacts to make your workflow run more efficient</a:t>
+            </a:r>
+          </a:p>
+          <a:p>
+            <a:r>
+              <a:rPr lang="en-US" dirty="0"/>
+              <a:t>Host your own runners</a:t>
+            </a:r>
+          </a:p>
+        </p:txBody>
+      </p:sp>
+    </p:spTree>
+    <p:extLst>
+      <p:ext uri="{BB962C8B-B14F-4D97-AF65-F5344CB8AC3E}">
+        <p14:creationId xmlns:p14="http://schemas.microsoft.com/office/powerpoint/2010/main" val="4202675947"/>
+      </p:ext>
+    </p:extLst>
+  </p:cSld>
+  <p:clrMapOvr>
+    <a:masterClrMapping/>
+  </p:clrMapOvr>
+</p:sld>
+</file>
+
+<file path=ppt/slides/slide32.xml><?xml version="1.0" encoding="utf-8"?>
+<p:sld xmlns:a="http://schemas.openxmlformats.org/drawingml/2006/main" xmlns:r="http://schemas.openxmlformats.org/officeDocument/2006/relationships" xmlns:p="http://schemas.openxmlformats.org/presentationml/2006/main">
+  <p:cSld>
+    <p:spTree>
+      <p:nvGrpSpPr>
+        <p:cNvPr id="1" name=""/>
+        <p:cNvGrpSpPr/>
+        <p:nvPr/>
+      </p:nvGrpSpPr>
+      <p:grpSpPr>
+        <a:xfrm>
+          <a:off x="0" y="0"/>
+          <a:ext cx="0" cy="0"/>
+          <a:chOff x="0" y="0"/>
+          <a:chExt cx="0" cy="0"/>
+        </a:xfrm>
+      </p:grpSpPr>
+      <p:sp>
+        <p:nvSpPr>
+          <p:cNvPr id="2" name="Title 1">
+            <a:extLst>
+              <a:ext uri="{FF2B5EF4-FFF2-40B4-BE49-F238E27FC236}">
+                <a16:creationId xmlns:a16="http://schemas.microsoft.com/office/drawing/2014/main" id="{9D6E2161-D92B-42C0-AF4F-2B434AC18F21}"/>
+              </a:ext>
+            </a:extLst>
+          </p:cNvPr>
+          <p:cNvSpPr>
+            <a:spLocks noGrp="1"/>
+          </p:cNvSpPr>
+          <p:nvPr>
+            <p:ph type="title"/>
+          </p:nvPr>
+        </p:nvSpPr>
+        <p:spPr/>
+        <p:txBody>
+          <a:bodyPr>
+            <a:normAutofit/>
+          </a:bodyPr>
+          <a:lstStyle/>
+          <a:p>
+            <a:r>
+              <a:rPr lang="en-US" dirty="0"/>
+              <a:t>Going Beyond a Simple Workflow</a:t>
+            </a:r>
+          </a:p>
+        </p:txBody>
+      </p:sp>
+      <p:sp>
+        <p:nvSpPr>
+          <p:cNvPr id="5" name="Content Placeholder 4">
+            <a:extLst>
+              <a:ext uri="{FF2B5EF4-FFF2-40B4-BE49-F238E27FC236}">
+                <a16:creationId xmlns:a16="http://schemas.microsoft.com/office/drawing/2014/main" id="{7C15718D-FA5D-48BA-86BA-E516A20F6B7F}"/>
+              </a:ext>
+            </a:extLst>
+          </p:cNvPr>
+          <p:cNvSpPr>
+            <a:spLocks noGrp="1"/>
+          </p:cNvSpPr>
+          <p:nvPr>
+            <p:ph sz="quarter" idx="10"/>
+          </p:nvPr>
+        </p:nvSpPr>
+        <p:spPr/>
+        <p:txBody>
+          <a:bodyPr>
+            <a:normAutofit/>
+          </a:bodyPr>
+          <a:lstStyle/>
+          <a:p>
+            <a:r>
+              <a:rPr lang="en-US" dirty="0"/>
+              <a:t>Build your own Actions</a:t>
+            </a:r>
+          </a:p>
+          <a:p>
+            <a:pPr lvl="1"/>
+            <a:r>
+              <a:rPr lang="en-US" dirty="0"/>
+              <a:t>Currently supports Docker and JavaScript</a:t>
+            </a:r>
+          </a:p>
+          <a:p>
+            <a:pPr lvl="1"/>
+            <a:r>
+              <a:rPr lang="en-US" dirty="0"/>
+              <a:t>Docker containers run on Linux</a:t>
+            </a:r>
+          </a:p>
+          <a:p>
+            <a:pPr lvl="1"/>
+            <a:r>
+              <a:rPr lang="en-US" dirty="0"/>
+              <a:t>JavaScript can run on Linux, macOS, and Windows</a:t>
+            </a:r>
+          </a:p>
+        </p:txBody>
+      </p:sp>
+    </p:spTree>
+    <p:extLst>
+      <p:ext uri="{BB962C8B-B14F-4D97-AF65-F5344CB8AC3E}">
+        <p14:creationId xmlns:p14="http://schemas.microsoft.com/office/powerpoint/2010/main" val="3676870194"/>
+      </p:ext>
+    </p:extLst>
+  </p:cSld>
+  <p:clrMapOvr>
+    <a:masterClrMapping/>
+  </p:clrMapOvr>
+</p:sld>
+</file>
+
+<file path=ppt/slides/slide33.xml><?xml version="1.0" encoding="utf-8"?>
+<p:sld xmlns:a="http://schemas.openxmlformats.org/drawingml/2006/main" xmlns:r="http://schemas.openxmlformats.org/officeDocument/2006/relationships" xmlns:p="http://schemas.openxmlformats.org/presentationml/2006/main">
+  <p:cSld>
+    <p:spTree>
+      <p:nvGrpSpPr>
+        <p:cNvPr id="1" name=""/>
+        <p:cNvGrpSpPr/>
+        <p:nvPr/>
+      </p:nvGrpSpPr>
+      <p:grpSpPr>
+        <a:xfrm>
+          <a:off x="0" y="0"/>
+          <a:ext cx="0" cy="0"/>
+          <a:chOff x="0" y="0"/>
+          <a:chExt cx="0" cy="0"/>
+        </a:xfrm>
+      </p:grpSpPr>
+      <p:sp>
+        <p:nvSpPr>
+          <p:cNvPr id="2" name="Title 1">
+            <a:extLst>
+              <a:ext uri="{FF2B5EF4-FFF2-40B4-BE49-F238E27FC236}">
+                <a16:creationId xmlns:a16="http://schemas.microsoft.com/office/drawing/2014/main" id="{9D6E2161-D92B-42C0-AF4F-2B434AC18F21}"/>
+              </a:ext>
+            </a:extLst>
+          </p:cNvPr>
+          <p:cNvSpPr>
+            <a:spLocks noGrp="1"/>
+          </p:cNvSpPr>
+          <p:nvPr>
+            <p:ph type="title"/>
+          </p:nvPr>
+        </p:nvSpPr>
+        <p:spPr/>
+        <p:txBody>
+          <a:bodyPr>
+            <a:normAutofit/>
+          </a:bodyPr>
+          <a:lstStyle/>
+          <a:p>
+            <a:r>
               <a:rPr lang="en-US" b="1" dirty="0">
                 <a:latin typeface="Segoe UI" panose="020B0502040204020203" pitchFamily="34" charset="0"/>
                 <a:cs typeface="Segoe UI" panose="020B0502040204020203" pitchFamily="34" charset="0"/>
@@ -9528,19 +10153,31 @@
           <a:p>
             <a:r>
               <a:rPr lang="en-US" dirty="0"/>
-              <a:t>Actions are individual tasks that you can combine to create jobs and customize your workflow</a:t>
-            </a:r>
-          </a:p>
-          <a:p>
-            <a:r>
-              <a:rPr lang="en-US" dirty="0"/>
-              <a:t>Create your own Actions or use and customize community created Actions </a:t>
-            </a:r>
-          </a:p>
-          <a:p>
-            <a:r>
-              <a:rPr lang="en-US" dirty="0"/>
-              <a:t>Workflows are code stored in your GitHub repo</a:t>
+              <a:t>Event-driven</a:t>
+            </a:r>
+          </a:p>
+          <a:p>
+            <a:r>
+              <a:rPr lang="en-US" dirty="0"/>
+              <a:t>GitHub Actions are workflows that contain one or more jobs</a:t>
+            </a:r>
+          </a:p>
+          <a:p>
+            <a:r>
+              <a:rPr lang="en-US" dirty="0"/>
+              <a:t>Can be scheduled or triggered by an event</a:t>
+            </a:r>
+          </a:p>
+          <a:p>
+            <a:r>
+              <a:rPr lang="en-US" dirty="0"/>
+              <a:t>Create your own workflows or use and customize community created Actions and workflows</a:t>
+            </a:r>
+          </a:p>
+          <a:p>
+            <a:r>
+              <a:rPr lang="en-US" dirty="0"/>
+              <a:t>Workflows are stored as code in your GitHub repo</a:t>
             </a:r>
           </a:p>
           <a:p>
@@ -9629,7 +10266,7 @@
         <p:spPr/>
         <p:txBody>
           <a:bodyPr>
-            <a:normAutofit lnSpcReduction="10000"/>
+            <a:normAutofit/>
           </a:bodyPr>
           <a:lstStyle/>
           <a:p>
@@ -9648,20 +10285,27 @@
             <a:pPr lvl="1"/>
             <a:r>
               <a:rPr lang="en-US" dirty="0"/>
-              <a:t>Push/Pull request/PR comments</a:t>
+              <a:t>Pull request</a:t>
             </a:r>
           </a:p>
           <a:p>
             <a:pPr lvl="1"/>
             <a:r>
               <a:rPr lang="en-US" dirty="0"/>
-              <a:t>Create/delete a branch or tag</a:t>
+              <a:t>Push</a:t>
             </a:r>
           </a:p>
           <a:p>
             <a:pPr lvl="1"/>
             <a:r>
               <a:rPr lang="en-US" dirty="0"/>
+              <a:t>Create or delete a branch or tag</a:t>
+            </a:r>
+          </a:p>
+          <a:p>
+            <a:pPr lvl="1"/>
+            <a:r>
+              <a:rPr lang="en-US" dirty="0"/>
               <a:t>Deployment</a:t>
             </a:r>
           </a:p>
@@ -9669,28 +10313,14 @@
             <a:pPr lvl="1"/>
             <a:r>
               <a:rPr lang="en-US" dirty="0"/>
-              <a:t>Fork</a:t>
+              <a:t>Create or update a Wiki page (Gollum)</a:t>
             </a:r>
           </a:p>
           <a:p>
             <a:pPr lvl="1"/>
             <a:r>
               <a:rPr lang="en-US" dirty="0"/>
-              <a:t>Gollum (creates or updates a Wiki page)</a:t>
-            </a:r>
-          </a:p>
-          <a:p>
-            <a:pPr lvl="1"/>
-            <a:r>
-              <a:rPr lang="en-US" dirty="0"/>
               <a:t>Issues</a:t>
-            </a:r>
-          </a:p>
-          <a:p>
-            <a:pPr lvl="1"/>
-            <a:r>
-              <a:rPr lang="en-US" dirty="0"/>
-              <a:t>Releases/Milestones</a:t>
             </a:r>
           </a:p>
           <a:p>
@@ -9920,33 +10550,13 @@
           <a:p>
             <a:r>
               <a:rPr lang="en-US" dirty="0"/>
-              <a:t>Build Action(s)</a:t>
-            </a:r>
-          </a:p>
-          <a:p>
-            <a:r>
-              <a:rPr lang="en-US" dirty="0"/>
-              <a:t>Create a Workflow based off Event(s)</a:t>
-            </a:r>
-          </a:p>
-          <a:p>
-            <a:pPr lvl="1"/>
-            <a:r>
-              <a:rPr lang="en-US" dirty="0"/>
-              <a:t>Workflows are made up of Job(s)</a:t>
-            </a:r>
-          </a:p>
-          <a:p>
-            <a:pPr lvl="1"/>
-            <a:r>
-              <a:rPr lang="en-US" dirty="0"/>
-              <a:t>Jobs are made up of Action(s)</a:t>
-            </a:r>
-          </a:p>
-          <a:p>
-            <a:r>
-              <a:rPr lang="en-US" dirty="0"/>
-              <a:t>Execute the Workflow in Runner(s)</a:t>
+              <a:t>Create a workflow</a:t>
+            </a:r>
+          </a:p>
+          <a:p>
+            <a:r>
+              <a:rPr lang="en-US" dirty="0"/>
+              <a:t>Execute the Workflow in a Runner based off an event</a:t>
             </a:r>
           </a:p>
         </p:txBody>
@@ -10037,32 +10647,58 @@
           <a:p>
             <a:r>
               <a:rPr lang="en-US" dirty="0"/>
-              <a:t>Actions</a:t>
+              <a:t>Workflows</a:t>
             </a:r>
           </a:p>
           <a:p>
             <a:pPr lvl="1"/>
             <a:r>
               <a:rPr lang="en-US" dirty="0"/>
-              <a:t>Individual tasks that you can combine as steps to create jobs and workflows</a:t>
+              <a:t>A configurable automated process set up in your repo</a:t>
             </a:r>
           </a:p>
           <a:p>
             <a:pPr lvl="1"/>
             <a:r>
               <a:rPr lang="en-US" dirty="0"/>
-              <a:t>Use your own actions or use and customize actions from the community</a:t>
+              <a:t>Workflows are made up of one or more jobs</a:t>
             </a:r>
           </a:p>
           <a:p>
             <a:pPr lvl="1"/>
             <a:r>
               <a:rPr lang="en-US" dirty="0"/>
-              <a:t>To use in a workflow, you must include it as step</a:t>
-            </a:r>
-          </a:p>
-          <a:p>
-            <a:endParaRPr lang="en-US" dirty="0"/>
+              <a:t>Can be scheduled or activated by an event</a:t>
+            </a:r>
+          </a:p>
+          <a:p>
+            <a:pPr lvl="1"/>
+            <a:r>
+              <a:rPr lang="en-US" dirty="0"/>
+              <a:t>YAML file that defines your workflow and lives in the root of your GitHub repo in the </a:t>
+            </a:r>
+            <a:r>
+              <a:rPr lang="en-US" dirty="0">
+                <a:latin typeface="Consolas" panose="020B0609020204030204" pitchFamily="49" charset="0"/>
+              </a:rPr>
+              <a:t>.</a:t>
+            </a:r>
+            <a:r>
+              <a:rPr lang="en-US" dirty="0" err="1">
+                <a:latin typeface="Consolas" panose="020B0609020204030204" pitchFamily="49" charset="0"/>
+              </a:rPr>
+              <a:t>github</a:t>
+            </a:r>
+            <a:r>
+              <a:rPr lang="en-US" dirty="0">
+                <a:latin typeface="Consolas" panose="020B0609020204030204" pitchFamily="49" charset="0"/>
+              </a:rPr>
+              <a:t>/workflows </a:t>
+            </a:r>
+            <a:r>
+              <a:rPr lang="en-US" dirty="0"/>
+              <a:t>directory</a:t>
+            </a:r>
           </a:p>
           <a:p>
             <a:endParaRPr lang="en-US" dirty="0"/>
@@ -10072,7 +10708,7 @@
     </p:spTree>
     <p:extLst>
       <p:ext uri="{BB962C8B-B14F-4D97-AF65-F5344CB8AC3E}">
-        <p14:creationId xmlns:p14="http://schemas.microsoft.com/office/powerpoint/2010/main" val="3356324868"/>
+        <p14:creationId xmlns:p14="http://schemas.microsoft.com/office/powerpoint/2010/main" val="3286644429"/>
       </p:ext>
     </p:extLst>
   </p:cSld>
